--- a/presentation/SMS_SPAM_DETECTION.pptx
+++ b/presentation/SMS_SPAM_DETECTION.pptx
@@ -4,6 +4,9 @@
   <p:sldMasterIdLst>
     <p:sldMasterId id="2147483648" r:id="rId1"/>
   </p:sldMasterIdLst>
+  <p:notesMasterIdLst>
+    <p:notesMasterId r:id="rId24"/>
+  </p:notesMasterIdLst>
   <p:sldIdLst>
     <p:sldId id="256" r:id="rId2"/>
     <p:sldId id="281" r:id="rId3"/>
@@ -19,12 +22,14 @@
     <p:sldId id="264" r:id="rId13"/>
     <p:sldId id="279" r:id="rId14"/>
     <p:sldId id="265" r:id="rId15"/>
-    <p:sldId id="268" r:id="rId16"/>
-    <p:sldId id="269" r:id="rId17"/>
-    <p:sldId id="270" r:id="rId18"/>
-    <p:sldId id="282" r:id="rId19"/>
-    <p:sldId id="272" r:id="rId20"/>
-    <p:sldId id="275" r:id="rId21"/>
+    <p:sldId id="284" r:id="rId16"/>
+    <p:sldId id="283" r:id="rId17"/>
+    <p:sldId id="268" r:id="rId18"/>
+    <p:sldId id="269" r:id="rId19"/>
+    <p:sldId id="270" r:id="rId20"/>
+    <p:sldId id="282" r:id="rId21"/>
+    <p:sldId id="272" r:id="rId22"/>
+    <p:sldId id="275" r:id="rId23"/>
   </p:sldIdLst>
   <p:sldSz cx="9144000" cy="6858000" type="screen4x3"/>
   <p:notesSz cx="6858000" cy="9144000"/>
@@ -150,309 +155,354 @@
 </p1510:revInfo>
 </file>
 
-<file path=ppt/changesInfos/changesInfo1.xml><?xml version="1.0" encoding="utf-8"?>
-<pc:chgInfo xmlns:a="http://schemas.openxmlformats.org/drawingml/2006/main" xmlns:r="http://schemas.openxmlformats.org/officeDocument/2006/relationships" xmlns:ac="http://schemas.microsoft.com/office/drawing/2013/main/command" xmlns:pc="http://schemas.microsoft.com/office/powerpoint/2013/main/command">
-  <pc:docChgLst>
-    <pc:chgData name="Ashna Alex" userId="c49b78af8f3ab098" providerId="LiveId" clId="{9B90F490-BE4C-45B1-BC2C-98D937B12521}"/>
-    <pc:docChg chg="undo redo custSel addSld modSld">
-      <pc:chgData name="Ashna Alex" userId="c49b78af8f3ab098" providerId="LiveId" clId="{9B90F490-BE4C-45B1-BC2C-98D937B12521}" dt="2024-08-13T01:59:03.881" v="250" actId="20577"/>
-      <pc:docMkLst>
-        <pc:docMk/>
-      </pc:docMkLst>
-      <pc:sldChg chg="modSp mod">
-        <pc:chgData name="Ashna Alex" userId="c49b78af8f3ab098" providerId="LiveId" clId="{9B90F490-BE4C-45B1-BC2C-98D937B12521}" dt="2024-08-13T01:56:18.370" v="187" actId="20577"/>
-        <pc:sldMkLst>
-          <pc:docMk/>
-          <pc:sldMk cId="0" sldId="256"/>
-        </pc:sldMkLst>
-        <pc:spChg chg="mod">
-          <ac:chgData name="Ashna Alex" userId="c49b78af8f3ab098" providerId="LiveId" clId="{9B90F490-BE4C-45B1-BC2C-98D937B12521}" dt="2024-08-13T01:56:18.370" v="187" actId="20577"/>
-          <ac:spMkLst>
-            <pc:docMk/>
-            <pc:sldMk cId="0" sldId="256"/>
-            <ac:spMk id="3" creationId="{00000000-0000-0000-0000-000000000000}"/>
-          </ac:spMkLst>
-        </pc:spChg>
-      </pc:sldChg>
-      <pc:sldChg chg="addSp delSp modSp mod">
-        <pc:chgData name="Ashna Alex" userId="c49b78af8f3ab098" providerId="LiveId" clId="{9B90F490-BE4C-45B1-BC2C-98D937B12521}" dt="2024-08-13T01:46:36.357" v="104" actId="113"/>
-        <pc:sldMkLst>
-          <pc:docMk/>
-          <pc:sldMk cId="0" sldId="261"/>
-        </pc:sldMkLst>
-        <pc:spChg chg="mod">
-          <ac:chgData name="Ashna Alex" userId="c49b78af8f3ab098" providerId="LiveId" clId="{9B90F490-BE4C-45B1-BC2C-98D937B12521}" dt="2024-08-13T01:46:08.240" v="97" actId="26606"/>
-          <ac:spMkLst>
-            <pc:docMk/>
-            <pc:sldMk cId="0" sldId="261"/>
-            <ac:spMk id="2" creationId="{00000000-0000-0000-0000-000000000000}"/>
-          </ac:spMkLst>
-        </pc:spChg>
-        <pc:spChg chg="mod">
-          <ac:chgData name="Ashna Alex" userId="c49b78af8f3ab098" providerId="LiveId" clId="{9B90F490-BE4C-45B1-BC2C-98D937B12521}" dt="2024-08-13T01:46:36.357" v="104" actId="113"/>
-          <ac:spMkLst>
-            <pc:docMk/>
-            <pc:sldMk cId="0" sldId="261"/>
-            <ac:spMk id="26" creationId="{00000000-0000-0000-0000-000000000000}"/>
-          </ac:spMkLst>
-        </pc:spChg>
-        <pc:spChg chg="del">
-          <ac:chgData name="Ashna Alex" userId="c49b78af8f3ab098" providerId="LiveId" clId="{9B90F490-BE4C-45B1-BC2C-98D937B12521}" dt="2024-08-13T01:46:08.240" v="97" actId="26606"/>
-          <ac:spMkLst>
-            <pc:docMk/>
-            <pc:sldMk cId="0" sldId="261"/>
-            <ac:spMk id="55" creationId="{E92FEB64-6EEA-4759-B4A4-BD2C1E660BA8}"/>
-          </ac:spMkLst>
-        </pc:spChg>
-        <pc:spChg chg="del">
-          <ac:chgData name="Ashna Alex" userId="c49b78af8f3ab098" providerId="LiveId" clId="{9B90F490-BE4C-45B1-BC2C-98D937B12521}" dt="2024-08-13T01:46:08.240" v="97" actId="26606"/>
-          <ac:spMkLst>
-            <pc:docMk/>
-            <pc:sldMk cId="0" sldId="261"/>
-            <ac:spMk id="57" creationId="{B10BB131-AC8E-4A8E-A5D1-36260F720C3B}"/>
-          </ac:spMkLst>
-        </pc:spChg>
-        <pc:spChg chg="del">
-          <ac:chgData name="Ashna Alex" userId="c49b78af8f3ab098" providerId="LiveId" clId="{9B90F490-BE4C-45B1-BC2C-98D937B12521}" dt="2024-08-13T01:46:08.240" v="97" actId="26606"/>
-          <ac:spMkLst>
-            <pc:docMk/>
-            <pc:sldMk cId="0" sldId="261"/>
-            <ac:spMk id="59" creationId="{14847E93-7DC1-4D4B-8829-B19AA7137C50}"/>
-          </ac:spMkLst>
-        </pc:spChg>
-        <pc:spChg chg="del">
-          <ac:chgData name="Ashna Alex" userId="c49b78af8f3ab098" providerId="LiveId" clId="{9B90F490-BE4C-45B1-BC2C-98D937B12521}" dt="2024-08-13T01:46:08.240" v="97" actId="26606"/>
-          <ac:spMkLst>
-            <pc:docMk/>
-            <pc:sldMk cId="0" sldId="261"/>
-            <ac:spMk id="61" creationId="{5566D6E1-03A1-4D73-A4E0-35D74D568A04}"/>
-          </ac:spMkLst>
-        </pc:spChg>
-        <pc:spChg chg="del">
-          <ac:chgData name="Ashna Alex" userId="c49b78af8f3ab098" providerId="LiveId" clId="{9B90F490-BE4C-45B1-BC2C-98D937B12521}" dt="2024-08-13T01:46:08.240" v="97" actId="26606"/>
-          <ac:spMkLst>
-            <pc:docMk/>
-            <pc:sldMk cId="0" sldId="261"/>
-            <ac:spMk id="63" creationId="{9F835A99-04AC-494A-A572-AFE8413CC938}"/>
-          </ac:spMkLst>
-        </pc:spChg>
-        <pc:spChg chg="del">
-          <ac:chgData name="Ashna Alex" userId="c49b78af8f3ab098" providerId="LiveId" clId="{9B90F490-BE4C-45B1-BC2C-98D937B12521}" dt="2024-08-13T01:46:08.240" v="97" actId="26606"/>
-          <ac:spMkLst>
-            <pc:docMk/>
-            <pc:sldMk cId="0" sldId="261"/>
-            <ac:spMk id="65" creationId="{7B786209-1B0B-4CA9-9BDD-F7327066A84D}"/>
-          </ac:spMkLst>
-        </pc:spChg>
-        <pc:spChg chg="del">
-          <ac:chgData name="Ashna Alex" userId="c49b78af8f3ab098" providerId="LiveId" clId="{9B90F490-BE4C-45B1-BC2C-98D937B12521}" dt="2024-08-13T01:46:08.240" v="97" actId="26606"/>
-          <ac:spMkLst>
-            <pc:docMk/>
-            <pc:sldMk cId="0" sldId="261"/>
-            <ac:spMk id="67" creationId="{2D2964BB-484D-45AE-AD66-D407D0629652}"/>
-          </ac:spMkLst>
-        </pc:spChg>
-        <pc:spChg chg="del">
-          <ac:chgData name="Ashna Alex" userId="c49b78af8f3ab098" providerId="LiveId" clId="{9B90F490-BE4C-45B1-BC2C-98D937B12521}" dt="2024-08-13T01:46:08.240" v="97" actId="26606"/>
-          <ac:spMkLst>
-            <pc:docMk/>
-            <pc:sldMk cId="0" sldId="261"/>
-            <ac:spMk id="69" creationId="{6691AC69-A76E-4DAB-B565-468B6B87ACF3}"/>
-          </ac:spMkLst>
-        </pc:spChg>
-        <pc:spChg chg="add">
-          <ac:chgData name="Ashna Alex" userId="c49b78af8f3ab098" providerId="LiveId" clId="{9B90F490-BE4C-45B1-BC2C-98D937B12521}" dt="2024-08-13T01:46:08.240" v="97" actId="26606"/>
-          <ac:spMkLst>
-            <pc:docMk/>
-            <pc:sldMk cId="0" sldId="261"/>
-            <ac:spMk id="74" creationId="{1BB867FF-FC45-48F7-8104-F89BE54909F1}"/>
-          </ac:spMkLst>
-        </pc:spChg>
-        <pc:spChg chg="add">
-          <ac:chgData name="Ashna Alex" userId="c49b78af8f3ab098" providerId="LiveId" clId="{9B90F490-BE4C-45B1-BC2C-98D937B12521}" dt="2024-08-13T01:46:08.240" v="97" actId="26606"/>
-          <ac:spMkLst>
-            <pc:docMk/>
-            <pc:sldMk cId="0" sldId="261"/>
-            <ac:spMk id="76" creationId="{8BB56887-D0D5-4F0C-9E19-7247EB83C8B7}"/>
-          </ac:spMkLst>
-        </pc:spChg>
-        <pc:spChg chg="add">
-          <ac:chgData name="Ashna Alex" userId="c49b78af8f3ab098" providerId="LiveId" clId="{9B90F490-BE4C-45B1-BC2C-98D937B12521}" dt="2024-08-13T01:46:08.240" v="97" actId="26606"/>
-          <ac:spMkLst>
-            <pc:docMk/>
-            <pc:sldMk cId="0" sldId="261"/>
-            <ac:spMk id="78" creationId="{081E4A58-353D-44AE-B2FC-2A74E2E400F7}"/>
-          </ac:spMkLst>
-        </pc:spChg>
-      </pc:sldChg>
-      <pc:sldChg chg="modSp mod">
-        <pc:chgData name="Ashna Alex" userId="c49b78af8f3ab098" providerId="LiveId" clId="{9B90F490-BE4C-45B1-BC2C-98D937B12521}" dt="2024-08-13T01:47:14.763" v="109" actId="20577"/>
-        <pc:sldMkLst>
-          <pc:docMk/>
-          <pc:sldMk cId="0" sldId="265"/>
-        </pc:sldMkLst>
-        <pc:spChg chg="mod">
-          <ac:chgData name="Ashna Alex" userId="c49b78af8f3ab098" providerId="LiveId" clId="{9B90F490-BE4C-45B1-BC2C-98D937B12521}" dt="2024-08-13T01:47:14.763" v="109" actId="20577"/>
-          <ac:spMkLst>
-            <pc:docMk/>
-            <pc:sldMk cId="0" sldId="265"/>
-            <ac:spMk id="4" creationId="{D9E29A65-817D-CB46-FE4D-7C5CB9BDF1AB}"/>
-          </ac:spMkLst>
-        </pc:spChg>
-      </pc:sldChg>
-      <pc:sldChg chg="addSp modSp mod">
-        <pc:chgData name="Ashna Alex" userId="c49b78af8f3ab098" providerId="LiveId" clId="{9B90F490-BE4C-45B1-BC2C-98D937B12521}" dt="2024-08-13T01:59:03.881" v="250" actId="20577"/>
-        <pc:sldMkLst>
-          <pc:docMk/>
-          <pc:sldMk cId="0" sldId="270"/>
-        </pc:sldMkLst>
-        <pc:spChg chg="mod">
-          <ac:chgData name="Ashna Alex" userId="c49b78af8f3ab098" providerId="LiveId" clId="{9B90F490-BE4C-45B1-BC2C-98D937B12521}" dt="2024-08-13T01:59:03.881" v="250" actId="20577"/>
-          <ac:spMkLst>
-            <pc:docMk/>
-            <pc:sldMk cId="0" sldId="270"/>
-            <ac:spMk id="3" creationId="{00000000-0000-0000-0000-000000000000}"/>
-          </ac:spMkLst>
-        </pc:spChg>
-        <pc:spChg chg="add">
-          <ac:chgData name="Ashna Alex" userId="c49b78af8f3ab098" providerId="LiveId" clId="{9B90F490-BE4C-45B1-BC2C-98D937B12521}" dt="2024-08-13T01:50:36.709" v="110"/>
-          <ac:spMkLst>
-            <pc:docMk/>
-            <pc:sldMk cId="0" sldId="270"/>
-            <ac:spMk id="4" creationId="{C2E2FEB8-453A-7883-59F3-07F136FC13C5}"/>
-          </ac:spMkLst>
-        </pc:spChg>
-      </pc:sldChg>
-      <pc:sldChg chg="addSp delSp modSp new mod setBg">
-        <pc:chgData name="Ashna Alex" userId="c49b78af8f3ab098" providerId="LiveId" clId="{9B90F490-BE4C-45B1-BC2C-98D937B12521}" dt="2024-08-13T01:45:31.513" v="94" actId="404"/>
-        <pc:sldMkLst>
-          <pc:docMk/>
-          <pc:sldMk cId="2651109800" sldId="281"/>
-        </pc:sldMkLst>
-        <pc:spChg chg="mod">
-          <ac:chgData name="Ashna Alex" userId="c49b78af8f3ab098" providerId="LiveId" clId="{9B90F490-BE4C-45B1-BC2C-98D937B12521}" dt="2024-08-13T01:45:24.417" v="93" actId="26606"/>
-          <ac:spMkLst>
-            <pc:docMk/>
-            <pc:sldMk cId="2651109800" sldId="281"/>
-            <ac:spMk id="2" creationId="{C1C31865-507D-3727-F3FA-649A641E9C3D}"/>
-          </ac:spMkLst>
-        </pc:spChg>
-        <pc:spChg chg="del">
-          <ac:chgData name="Ashna Alex" userId="c49b78af8f3ab098" providerId="LiveId" clId="{9B90F490-BE4C-45B1-BC2C-98D937B12521}" dt="2024-08-13T01:43:05.234" v="13"/>
-          <ac:spMkLst>
-            <pc:docMk/>
-            <pc:sldMk cId="2651109800" sldId="281"/>
-            <ac:spMk id="3" creationId="{1D46F491-5062-6DBD-7ECF-4263B67A9B7E}"/>
-          </ac:spMkLst>
-        </pc:spChg>
-        <pc:spChg chg="add mod">
-          <ac:chgData name="Ashna Alex" userId="c49b78af8f3ab098" providerId="LiveId" clId="{9B90F490-BE4C-45B1-BC2C-98D937B12521}" dt="2024-08-13T01:45:31.513" v="94" actId="404"/>
-          <ac:spMkLst>
-            <pc:docMk/>
-            <pc:sldMk cId="2651109800" sldId="281"/>
-            <ac:spMk id="4" creationId="{90C1C585-4E0D-B768-A3EE-1959991A0802}"/>
-          </ac:spMkLst>
-        </pc:spChg>
-        <pc:spChg chg="add del">
-          <ac:chgData name="Ashna Alex" userId="c49b78af8f3ab098" providerId="LiveId" clId="{9B90F490-BE4C-45B1-BC2C-98D937B12521}" dt="2024-08-13T01:45:24.417" v="93" actId="26606"/>
-          <ac:spMkLst>
-            <pc:docMk/>
-            <pc:sldMk cId="2651109800" sldId="281"/>
-            <ac:spMk id="9" creationId="{1BB867FF-FC45-48F7-8104-F89BE54909F1}"/>
-          </ac:spMkLst>
-        </pc:spChg>
-        <pc:spChg chg="add del">
-          <ac:chgData name="Ashna Alex" userId="c49b78af8f3ab098" providerId="LiveId" clId="{9B90F490-BE4C-45B1-BC2C-98D937B12521}" dt="2024-08-13T01:45:24.417" v="93" actId="26606"/>
-          <ac:spMkLst>
-            <pc:docMk/>
-            <pc:sldMk cId="2651109800" sldId="281"/>
-            <ac:spMk id="11" creationId="{8BB56887-D0D5-4F0C-9E19-7247EB83C8B7}"/>
-          </ac:spMkLst>
-        </pc:spChg>
-        <pc:spChg chg="add del">
-          <ac:chgData name="Ashna Alex" userId="c49b78af8f3ab098" providerId="LiveId" clId="{9B90F490-BE4C-45B1-BC2C-98D937B12521}" dt="2024-08-13T01:45:24.417" v="93" actId="26606"/>
-          <ac:spMkLst>
-            <pc:docMk/>
-            <pc:sldMk cId="2651109800" sldId="281"/>
-            <ac:spMk id="13" creationId="{081E4A58-353D-44AE-B2FC-2A74E2E400F7}"/>
-          </ac:spMkLst>
-        </pc:spChg>
-        <pc:spChg chg="add del">
-          <ac:chgData name="Ashna Alex" userId="c49b78af8f3ab098" providerId="LiveId" clId="{9B90F490-BE4C-45B1-BC2C-98D937B12521}" dt="2024-08-13T01:45:24.417" v="93" actId="26606"/>
-          <ac:spMkLst>
-            <pc:docMk/>
-            <pc:sldMk cId="2651109800" sldId="281"/>
-            <ac:spMk id="18" creationId="{F837543A-6020-4505-A233-C9DB4BF74011}"/>
-          </ac:spMkLst>
-        </pc:spChg>
-        <pc:spChg chg="add del">
-          <ac:chgData name="Ashna Alex" userId="c49b78af8f3ab098" providerId="LiveId" clId="{9B90F490-BE4C-45B1-BC2C-98D937B12521}" dt="2024-08-13T01:45:24.417" v="93" actId="26606"/>
-          <ac:spMkLst>
-            <pc:docMk/>
-            <pc:sldMk cId="2651109800" sldId="281"/>
-            <ac:spMk id="20" creationId="{35B16301-FB18-48BA-A6DD-C37CAF6F9A18}"/>
-          </ac:spMkLst>
-        </pc:spChg>
-        <pc:spChg chg="add del">
-          <ac:chgData name="Ashna Alex" userId="c49b78af8f3ab098" providerId="LiveId" clId="{9B90F490-BE4C-45B1-BC2C-98D937B12521}" dt="2024-08-13T01:45:24.417" v="93" actId="26606"/>
-          <ac:spMkLst>
-            <pc:docMk/>
-            <pc:sldMk cId="2651109800" sldId="281"/>
-            <ac:spMk id="22" creationId="{C3C0D90E-074A-4F52-9B11-B52BEF4BCBE5}"/>
-          </ac:spMkLst>
-        </pc:spChg>
-        <pc:spChg chg="add del">
-          <ac:chgData name="Ashna Alex" userId="c49b78af8f3ab098" providerId="LiveId" clId="{9B90F490-BE4C-45B1-BC2C-98D937B12521}" dt="2024-08-13T01:45:24.417" v="93" actId="26606"/>
-          <ac:spMkLst>
-            <pc:docMk/>
-            <pc:sldMk cId="2651109800" sldId="281"/>
-            <ac:spMk id="24" creationId="{CABBD4C1-E6F8-46F6-8152-A8A97490BF4D}"/>
-          </ac:spMkLst>
-        </pc:spChg>
-        <pc:spChg chg="add del">
-          <ac:chgData name="Ashna Alex" userId="c49b78af8f3ab098" providerId="LiveId" clId="{9B90F490-BE4C-45B1-BC2C-98D937B12521}" dt="2024-08-13T01:45:24.417" v="93" actId="26606"/>
-          <ac:spMkLst>
-            <pc:docMk/>
-            <pc:sldMk cId="2651109800" sldId="281"/>
-            <ac:spMk id="26" creationId="{83BA5EF5-1FE9-4BF9-83BB-269BCDDF6156}"/>
-          </ac:spMkLst>
-        </pc:spChg>
-        <pc:spChg chg="add del">
-          <ac:chgData name="Ashna Alex" userId="c49b78af8f3ab098" providerId="LiveId" clId="{9B90F490-BE4C-45B1-BC2C-98D937B12521}" dt="2024-08-13T01:45:24.417" v="93" actId="26606"/>
-          <ac:spMkLst>
-            <pc:docMk/>
-            <pc:sldMk cId="2651109800" sldId="281"/>
-            <ac:spMk id="30" creationId="{88853921-7BC9-4BDE-ACAB-133C683C82D6}"/>
-          </ac:spMkLst>
-        </pc:spChg>
-        <pc:spChg chg="add del">
-          <ac:chgData name="Ashna Alex" userId="c49b78af8f3ab098" providerId="LiveId" clId="{9B90F490-BE4C-45B1-BC2C-98D937B12521}" dt="2024-08-13T01:45:24.417" v="93" actId="26606"/>
-          <ac:spMkLst>
-            <pc:docMk/>
-            <pc:sldMk cId="2651109800" sldId="281"/>
-            <ac:spMk id="32" creationId="{09192968-3AE7-4470-A61C-97294BB92731}"/>
-          </ac:spMkLst>
-        </pc:spChg>
-        <pc:spChg chg="add del">
-          <ac:chgData name="Ashna Alex" userId="c49b78af8f3ab098" providerId="LiveId" clId="{9B90F490-BE4C-45B1-BC2C-98D937B12521}" dt="2024-08-13T01:45:24.417" v="93" actId="26606"/>
-          <ac:spMkLst>
-            <pc:docMk/>
-            <pc:sldMk cId="2651109800" sldId="281"/>
-            <ac:spMk id="34" creationId="{3AB72E55-43E4-4356-BFE8-E2102CB0B505}"/>
-          </ac:spMkLst>
-        </pc:spChg>
-        <pc:cxnChg chg="add del">
-          <ac:chgData name="Ashna Alex" userId="c49b78af8f3ab098" providerId="LiveId" clId="{9B90F490-BE4C-45B1-BC2C-98D937B12521}" dt="2024-08-13T01:45:24.417" v="93" actId="26606"/>
-          <ac:cxnSpMkLst>
-            <pc:docMk/>
-            <pc:sldMk cId="2651109800" sldId="281"/>
-            <ac:cxnSpMk id="28" creationId="{4B3BCACB-5880-460B-9606-8C433A9AF99D}"/>
-          </ac:cxnSpMkLst>
-        </pc:cxnChg>
-      </pc:sldChg>
-    </pc:docChg>
-  </pc:docChgLst>
-</pc:chgInfo>
+<file path=ppt/notesMasters/notesMaster1.xml><?xml version="1.0" encoding="utf-8"?>
+<p:notesMaster xmlns:a="http://schemas.openxmlformats.org/drawingml/2006/main" xmlns:r="http://schemas.openxmlformats.org/officeDocument/2006/relationships" xmlns:p="http://schemas.openxmlformats.org/presentationml/2006/main">
+  <p:cSld>
+    <p:bg>
+      <p:bgRef idx="1001">
+        <a:schemeClr val="bg1"/>
+      </p:bgRef>
+    </p:bg>
+    <p:spTree>
+      <p:nvGrpSpPr>
+        <p:cNvPr id="1" name=""/>
+        <p:cNvGrpSpPr/>
+        <p:nvPr/>
+      </p:nvGrpSpPr>
+      <p:grpSpPr>
+        <a:xfrm>
+          <a:off x="0" y="0"/>
+          <a:ext cx="0" cy="0"/>
+          <a:chOff x="0" y="0"/>
+          <a:chExt cx="0" cy="0"/>
+        </a:xfrm>
+      </p:grpSpPr>
+      <p:sp>
+        <p:nvSpPr>
+          <p:cNvPr id="2" name="Header Placeholder 1"/>
+          <p:cNvSpPr>
+            <a:spLocks noGrp="1"/>
+          </p:cNvSpPr>
+          <p:nvPr>
+            <p:ph type="hdr" sz="quarter"/>
+          </p:nvPr>
+        </p:nvSpPr>
+        <p:spPr>
+          <a:xfrm>
+            <a:off x="0" y="0"/>
+            <a:ext cx="2971800" cy="458788"/>
+          </a:xfrm>
+          <a:prstGeom prst="rect">
+            <a:avLst/>
+          </a:prstGeom>
+        </p:spPr>
+        <p:txBody>
+          <a:bodyPr vert="horz" lIns="91440" tIns="45720" rIns="91440" bIns="45720" rtlCol="0"/>
+          <a:lstStyle>
+            <a:lvl1pPr algn="l">
+              <a:defRPr sz="1200"/>
+            </a:lvl1pPr>
+          </a:lstStyle>
+          <a:p>
+            <a:endParaRPr lang="en-CA"/>
+          </a:p>
+        </p:txBody>
+      </p:sp>
+      <p:sp>
+        <p:nvSpPr>
+          <p:cNvPr id="3" name="Date Placeholder 2"/>
+          <p:cNvSpPr>
+            <a:spLocks noGrp="1"/>
+          </p:cNvSpPr>
+          <p:nvPr>
+            <p:ph type="dt" idx="1"/>
+          </p:nvPr>
+        </p:nvSpPr>
+        <p:spPr>
+          <a:xfrm>
+            <a:off x="3884613" y="0"/>
+            <a:ext cx="2971800" cy="458788"/>
+          </a:xfrm>
+          <a:prstGeom prst="rect">
+            <a:avLst/>
+          </a:prstGeom>
+        </p:spPr>
+        <p:txBody>
+          <a:bodyPr vert="horz" lIns="91440" tIns="45720" rIns="91440" bIns="45720" rtlCol="0"/>
+          <a:lstStyle>
+            <a:lvl1pPr algn="r">
+              <a:defRPr sz="1200"/>
+            </a:lvl1pPr>
+          </a:lstStyle>
+          <a:p>
+            <a:fld id="{26D74097-DD85-41CB-A717-E063BF35EDEB}" type="datetimeFigureOut">
+              <a:rPr lang="en-CA" smtClean="0"/>
+              <a:t>2024-08-13</a:t>
+            </a:fld>
+            <a:endParaRPr lang="en-CA"/>
+          </a:p>
+        </p:txBody>
+      </p:sp>
+      <p:sp>
+        <p:nvSpPr>
+          <p:cNvPr id="4" name="Slide Image Placeholder 3"/>
+          <p:cNvSpPr>
+            <a:spLocks noGrp="1" noRot="1" noChangeAspect="1"/>
+          </p:cNvSpPr>
+          <p:nvPr>
+            <p:ph type="sldImg" idx="2"/>
+          </p:nvPr>
+        </p:nvSpPr>
+        <p:spPr>
+          <a:xfrm>
+            <a:off x="1371600" y="1143000"/>
+            <a:ext cx="4114800" cy="3086100"/>
+          </a:xfrm>
+          <a:prstGeom prst="rect">
+            <a:avLst/>
+          </a:prstGeom>
+          <a:noFill/>
+          <a:ln w="12700">
+            <a:solidFill>
+              <a:prstClr val="black"/>
+            </a:solidFill>
+          </a:ln>
+        </p:spPr>
+        <p:txBody>
+          <a:bodyPr vert="horz" lIns="91440" tIns="45720" rIns="91440" bIns="45720" rtlCol="0" anchor="ctr"/>
+          <a:lstStyle/>
+          <a:p>
+            <a:endParaRPr lang="en-CA"/>
+          </a:p>
+        </p:txBody>
+      </p:sp>
+      <p:sp>
+        <p:nvSpPr>
+          <p:cNvPr id="5" name="Notes Placeholder 4"/>
+          <p:cNvSpPr>
+            <a:spLocks noGrp="1"/>
+          </p:cNvSpPr>
+          <p:nvPr>
+            <p:ph type="body" sz="quarter" idx="3"/>
+          </p:nvPr>
+        </p:nvSpPr>
+        <p:spPr>
+          <a:xfrm>
+            <a:off x="685800" y="4400550"/>
+            <a:ext cx="5486400" cy="3600450"/>
+          </a:xfrm>
+          <a:prstGeom prst="rect">
+            <a:avLst/>
+          </a:prstGeom>
+        </p:spPr>
+        <p:txBody>
+          <a:bodyPr vert="horz" lIns="91440" tIns="45720" rIns="91440" bIns="45720" rtlCol="0"/>
+          <a:lstStyle/>
+          <a:p>
+            <a:pPr lvl="0"/>
+            <a:r>
+              <a:rPr lang="en-US"/>
+              <a:t>Click to edit Master text styles</a:t>
+            </a:r>
+          </a:p>
+          <a:p>
+            <a:pPr lvl="1"/>
+            <a:r>
+              <a:rPr lang="en-US"/>
+              <a:t>Second level</a:t>
+            </a:r>
+          </a:p>
+          <a:p>
+            <a:pPr lvl="2"/>
+            <a:r>
+              <a:rPr lang="en-US"/>
+              <a:t>Third level</a:t>
+            </a:r>
+          </a:p>
+          <a:p>
+            <a:pPr lvl="3"/>
+            <a:r>
+              <a:rPr lang="en-US"/>
+              <a:t>Fourth level</a:t>
+            </a:r>
+          </a:p>
+          <a:p>
+            <a:pPr lvl="4"/>
+            <a:r>
+              <a:rPr lang="en-US"/>
+              <a:t>Fifth level</a:t>
+            </a:r>
+            <a:endParaRPr lang="en-CA"/>
+          </a:p>
+        </p:txBody>
+      </p:sp>
+      <p:sp>
+        <p:nvSpPr>
+          <p:cNvPr id="6" name="Footer Placeholder 5"/>
+          <p:cNvSpPr>
+            <a:spLocks noGrp="1"/>
+          </p:cNvSpPr>
+          <p:nvPr>
+            <p:ph type="ftr" sz="quarter" idx="4"/>
+          </p:nvPr>
+        </p:nvSpPr>
+        <p:spPr>
+          <a:xfrm>
+            <a:off x="0" y="8685213"/>
+            <a:ext cx="2971800" cy="458787"/>
+          </a:xfrm>
+          <a:prstGeom prst="rect">
+            <a:avLst/>
+          </a:prstGeom>
+        </p:spPr>
+        <p:txBody>
+          <a:bodyPr vert="horz" lIns="91440" tIns="45720" rIns="91440" bIns="45720" rtlCol="0" anchor="b"/>
+          <a:lstStyle>
+            <a:lvl1pPr algn="l">
+              <a:defRPr sz="1200"/>
+            </a:lvl1pPr>
+          </a:lstStyle>
+          <a:p>
+            <a:endParaRPr lang="en-CA"/>
+          </a:p>
+        </p:txBody>
+      </p:sp>
+      <p:sp>
+        <p:nvSpPr>
+          <p:cNvPr id="7" name="Slide Number Placeholder 6"/>
+          <p:cNvSpPr>
+            <a:spLocks noGrp="1"/>
+          </p:cNvSpPr>
+          <p:nvPr>
+            <p:ph type="sldNum" sz="quarter" idx="5"/>
+          </p:nvPr>
+        </p:nvSpPr>
+        <p:spPr>
+          <a:xfrm>
+            <a:off x="3884613" y="8685213"/>
+            <a:ext cx="2971800" cy="458787"/>
+          </a:xfrm>
+          <a:prstGeom prst="rect">
+            <a:avLst/>
+          </a:prstGeom>
+        </p:spPr>
+        <p:txBody>
+          <a:bodyPr vert="horz" lIns="91440" tIns="45720" rIns="91440" bIns="45720" rtlCol="0" anchor="b"/>
+          <a:lstStyle>
+            <a:lvl1pPr algn="r">
+              <a:defRPr sz="1200"/>
+            </a:lvl1pPr>
+          </a:lstStyle>
+          <a:p>
+            <a:fld id="{EBB3A422-6353-4B29-8E41-21EFB8BE15BF}" type="slidenum">
+              <a:rPr lang="en-CA" smtClean="0"/>
+              <a:t>‹#›</a:t>
+            </a:fld>
+            <a:endParaRPr lang="en-CA"/>
+          </a:p>
+        </p:txBody>
+      </p:sp>
+    </p:spTree>
+    <p:extLst>
+      <p:ext uri="{BB962C8B-B14F-4D97-AF65-F5344CB8AC3E}">
+        <p14:creationId xmlns:p14="http://schemas.microsoft.com/office/powerpoint/2010/main" val="2176143810"/>
+      </p:ext>
+    </p:extLst>
+  </p:cSld>
+  <p:clrMap bg1="lt1" tx1="dk1" bg2="lt2" tx2="dk2" accent1="accent1" accent2="accent2" accent3="accent3" accent4="accent4" accent5="accent5" accent6="accent6" hlink="hlink" folHlink="folHlink"/>
+  <p:notesStyle>
+    <a:lvl1pPr marL="0" algn="l" defTabSz="914400" rtl="0" eaLnBrk="1" latinLnBrk="0" hangingPunct="1">
+      <a:defRPr sz="1200" kern="1200">
+        <a:solidFill>
+          <a:schemeClr val="tx1"/>
+        </a:solidFill>
+        <a:latin typeface="+mn-lt"/>
+        <a:ea typeface="+mn-ea"/>
+        <a:cs typeface="+mn-cs"/>
+      </a:defRPr>
+    </a:lvl1pPr>
+    <a:lvl2pPr marL="457200" algn="l" defTabSz="914400" rtl="0" eaLnBrk="1" latinLnBrk="0" hangingPunct="1">
+      <a:defRPr sz="1200" kern="1200">
+        <a:solidFill>
+          <a:schemeClr val="tx1"/>
+        </a:solidFill>
+        <a:latin typeface="+mn-lt"/>
+        <a:ea typeface="+mn-ea"/>
+        <a:cs typeface="+mn-cs"/>
+      </a:defRPr>
+    </a:lvl2pPr>
+    <a:lvl3pPr marL="914400" algn="l" defTabSz="914400" rtl="0" eaLnBrk="1" latinLnBrk="0" hangingPunct="1">
+      <a:defRPr sz="1200" kern="1200">
+        <a:solidFill>
+          <a:schemeClr val="tx1"/>
+        </a:solidFill>
+        <a:latin typeface="+mn-lt"/>
+        <a:ea typeface="+mn-ea"/>
+        <a:cs typeface="+mn-cs"/>
+      </a:defRPr>
+    </a:lvl3pPr>
+    <a:lvl4pPr marL="1371600" algn="l" defTabSz="914400" rtl="0" eaLnBrk="1" latinLnBrk="0" hangingPunct="1">
+      <a:defRPr sz="1200" kern="1200">
+        <a:solidFill>
+          <a:schemeClr val="tx1"/>
+        </a:solidFill>
+        <a:latin typeface="+mn-lt"/>
+        <a:ea typeface="+mn-ea"/>
+        <a:cs typeface="+mn-cs"/>
+      </a:defRPr>
+    </a:lvl4pPr>
+    <a:lvl5pPr marL="1828800" algn="l" defTabSz="914400" rtl="0" eaLnBrk="1" latinLnBrk="0" hangingPunct="1">
+      <a:defRPr sz="1200" kern="1200">
+        <a:solidFill>
+          <a:schemeClr val="tx1"/>
+        </a:solidFill>
+        <a:latin typeface="+mn-lt"/>
+        <a:ea typeface="+mn-ea"/>
+        <a:cs typeface="+mn-cs"/>
+      </a:defRPr>
+    </a:lvl5pPr>
+    <a:lvl6pPr marL="2286000" algn="l" defTabSz="914400" rtl="0" eaLnBrk="1" latinLnBrk="0" hangingPunct="1">
+      <a:defRPr sz="1200" kern="1200">
+        <a:solidFill>
+          <a:schemeClr val="tx1"/>
+        </a:solidFill>
+        <a:latin typeface="+mn-lt"/>
+        <a:ea typeface="+mn-ea"/>
+        <a:cs typeface="+mn-cs"/>
+      </a:defRPr>
+    </a:lvl6pPr>
+    <a:lvl7pPr marL="2743200" algn="l" defTabSz="914400" rtl="0" eaLnBrk="1" latinLnBrk="0" hangingPunct="1">
+      <a:defRPr sz="1200" kern="1200">
+        <a:solidFill>
+          <a:schemeClr val="tx1"/>
+        </a:solidFill>
+        <a:latin typeface="+mn-lt"/>
+        <a:ea typeface="+mn-ea"/>
+        <a:cs typeface="+mn-cs"/>
+      </a:defRPr>
+    </a:lvl7pPr>
+    <a:lvl8pPr marL="3200400" algn="l" defTabSz="914400" rtl="0" eaLnBrk="1" latinLnBrk="0" hangingPunct="1">
+      <a:defRPr sz="1200" kern="1200">
+        <a:solidFill>
+          <a:schemeClr val="tx1"/>
+        </a:solidFill>
+        <a:latin typeface="+mn-lt"/>
+        <a:ea typeface="+mn-ea"/>
+        <a:cs typeface="+mn-cs"/>
+      </a:defRPr>
+    </a:lvl8pPr>
+    <a:lvl9pPr marL="3657600" algn="l" defTabSz="914400" rtl="0" eaLnBrk="1" latinLnBrk="0" hangingPunct="1">
+      <a:defRPr sz="1200" kern="1200">
+        <a:solidFill>
+          <a:schemeClr val="tx1"/>
+        </a:solidFill>
+        <a:latin typeface="+mn-lt"/>
+        <a:ea typeface="+mn-ea"/>
+        <a:cs typeface="+mn-cs"/>
+      </a:defRPr>
+    </a:lvl9pPr>
+  </p:notesStyle>
+</p:notesMaster>
 </file>
 
 <file path=ppt/slideLayouts/slideLayout1.xml><?xml version="1.0" encoding="utf-8"?>
@@ -6830,6 +6880,994 @@
       </p:grpSpPr>
       <p:sp useBgFill="1">
         <p:nvSpPr>
+          <p:cNvPr id="29" name="Rectangle 28">
+            <a:extLst>
+              <a:ext uri="{FF2B5EF4-FFF2-40B4-BE49-F238E27FC236}">
+                <a16:creationId xmlns:a16="http://schemas.microsoft.com/office/drawing/2014/main" id="{907EF6B7-1338-4443-8C46-6A318D952DFD}"/>
+              </a:ext>
+              <a:ext uri="{C183D7F6-B498-43B3-948B-1728B52AA6E4}">
+                <adec:decorative xmlns:adec="http://schemas.microsoft.com/office/drawing/2017/decorative" val="1"/>
+              </a:ext>
+            </a:extLst>
+          </p:cNvPr>
+          <p:cNvSpPr>
+            <a:spLocks noGrp="1" noRot="1" noChangeAspect="1" noMove="1" noResize="1" noEditPoints="1" noAdjustHandles="1" noChangeArrowheads="1" noChangeShapeType="1" noTextEdit="1"/>
+          </p:cNvSpPr>
+          <p:nvPr>
+            <p:extLst>
+              <p:ext uri="{386F3935-93C4-4BCD-93E2-E3B085C9AB24}">
+                <p16:designElem xmlns:p16="http://schemas.microsoft.com/office/powerpoint/2015/main" val="1"/>
+              </p:ext>
+            </p:extLst>
+          </p:nvPr>
+        </p:nvSpPr>
+        <p:spPr>
+          <a:xfrm>
+            <a:off x="2286" y="0"/>
+            <a:ext cx="9141714" cy="6858000"/>
+          </a:xfrm>
+          <a:prstGeom prst="rect">
+            <a:avLst/>
+          </a:prstGeom>
+          <a:ln>
+            <a:noFill/>
+          </a:ln>
+        </p:spPr>
+        <p:style>
+          <a:lnRef idx="2">
+            <a:schemeClr val="accent1">
+              <a:shade val="50000"/>
+            </a:schemeClr>
+          </a:lnRef>
+          <a:fillRef idx="1">
+            <a:schemeClr val="accent1"/>
+          </a:fillRef>
+          <a:effectRef idx="0">
+            <a:schemeClr val="accent1"/>
+          </a:effectRef>
+          <a:fontRef idx="minor">
+            <a:schemeClr val="lt1"/>
+          </a:fontRef>
+        </p:style>
+        <p:txBody>
+          <a:bodyPr rtlCol="0" anchor="ctr"/>
+          <a:lstStyle/>
+          <a:p>
+            <a:pPr algn="ctr"/>
+            <a:endParaRPr lang="en-US"/>
+          </a:p>
+        </p:txBody>
+      </p:sp>
+      <p:sp>
+        <p:nvSpPr>
+          <p:cNvPr id="31" name="Freeform: Shape 30">
+            <a:extLst>
+              <a:ext uri="{FF2B5EF4-FFF2-40B4-BE49-F238E27FC236}">
+                <a16:creationId xmlns:a16="http://schemas.microsoft.com/office/drawing/2014/main" id="{DAAE4CDD-124C-4DCF-9584-B6033B545DD5}"/>
+              </a:ext>
+              <a:ext uri="{C183D7F6-B498-43B3-948B-1728B52AA6E4}">
+                <adec:decorative xmlns:adec="http://schemas.microsoft.com/office/drawing/2017/decorative" val="1"/>
+              </a:ext>
+            </a:extLst>
+          </p:cNvPr>
+          <p:cNvSpPr>
+            <a:spLocks noGrp="1" noRot="1" noChangeAspect="1" noMove="1" noResize="1" noEditPoints="1" noAdjustHandles="1" noChangeArrowheads="1" noChangeShapeType="1" noTextEdit="1"/>
+          </p:cNvSpPr>
+          <p:nvPr>
+            <p:extLst>
+              <p:ext uri="{386F3935-93C4-4BCD-93E2-E3B085C9AB24}">
+                <p16:designElem xmlns:p16="http://schemas.microsoft.com/office/powerpoint/2015/main" val="1"/>
+              </p:ext>
+            </p:extLst>
+          </p:nvPr>
+        </p:nvSpPr>
+        <p:spPr>
+          <a:xfrm>
+            <a:off x="0" y="0"/>
+            <a:ext cx="3125454" cy="6858000"/>
+          </a:xfrm>
+          <a:custGeom>
+            <a:avLst/>
+            <a:gdLst>
+              <a:gd name="connsiteX0" fmla="*/ 0 w 4167271"/>
+              <a:gd name="connsiteY0" fmla="*/ 0 h 6858000"/>
+              <a:gd name="connsiteX1" fmla="*/ 2259550 w 4167271"/>
+              <a:gd name="connsiteY1" fmla="*/ 0 h 6858000"/>
+              <a:gd name="connsiteX2" fmla="*/ 2387803 w 4167271"/>
+              <a:gd name="connsiteY2" fmla="*/ 82222 h 6858000"/>
+              <a:gd name="connsiteX3" fmla="*/ 4167271 w 4167271"/>
+              <a:gd name="connsiteY3" fmla="*/ 3429000 h 6858000"/>
+              <a:gd name="connsiteX4" fmla="*/ 2387803 w 4167271"/>
+              <a:gd name="connsiteY4" fmla="*/ 6775779 h 6858000"/>
+              <a:gd name="connsiteX5" fmla="*/ 2259550 w 4167271"/>
+              <a:gd name="connsiteY5" fmla="*/ 6858000 h 6858000"/>
+              <a:gd name="connsiteX6" fmla="*/ 0 w 4167271"/>
+              <a:gd name="connsiteY6" fmla="*/ 6858000 h 6858000"/>
+            </a:gdLst>
+            <a:ahLst/>
+            <a:cxnLst>
+              <a:cxn ang="0">
+                <a:pos x="connsiteX0" y="connsiteY0"/>
+              </a:cxn>
+              <a:cxn ang="0">
+                <a:pos x="connsiteX1" y="connsiteY1"/>
+              </a:cxn>
+              <a:cxn ang="0">
+                <a:pos x="connsiteX2" y="connsiteY2"/>
+              </a:cxn>
+              <a:cxn ang="0">
+                <a:pos x="connsiteX3" y="connsiteY3"/>
+              </a:cxn>
+              <a:cxn ang="0">
+                <a:pos x="connsiteX4" y="connsiteY4"/>
+              </a:cxn>
+              <a:cxn ang="0">
+                <a:pos x="connsiteX5" y="connsiteY5"/>
+              </a:cxn>
+              <a:cxn ang="0">
+                <a:pos x="connsiteX6" y="connsiteY6"/>
+              </a:cxn>
+            </a:cxnLst>
+            <a:rect l="l" t="t" r="r" b="b"/>
+            <a:pathLst>
+              <a:path w="4167271" h="6858000">
+                <a:moveTo>
+                  <a:pt x="0" y="0"/>
+                </a:moveTo>
+                <a:lnTo>
+                  <a:pt x="2259550" y="0"/>
+                </a:lnTo>
+                <a:lnTo>
+                  <a:pt x="2387803" y="82222"/>
+                </a:lnTo>
+                <a:cubicBezTo>
+                  <a:pt x="3461407" y="807534"/>
+                  <a:pt x="4167271" y="2035835"/>
+                  <a:pt x="4167271" y="3429000"/>
+                </a:cubicBezTo>
+                <a:cubicBezTo>
+                  <a:pt x="4167271" y="4822165"/>
+                  <a:pt x="3461407" y="6050467"/>
+                  <a:pt x="2387803" y="6775779"/>
+                </a:cubicBezTo>
+                <a:lnTo>
+                  <a:pt x="2259550" y="6858000"/>
+                </a:lnTo>
+                <a:lnTo>
+                  <a:pt x="0" y="6858000"/>
+                </a:lnTo>
+                <a:close/>
+              </a:path>
+            </a:pathLst>
+          </a:custGeom>
+          <a:solidFill>
+            <a:schemeClr val="accent2"/>
+          </a:solidFill>
+          <a:ln>
+            <a:noFill/>
+          </a:ln>
+        </p:spPr>
+        <p:style>
+          <a:lnRef idx="2">
+            <a:schemeClr val="accent1">
+              <a:shade val="50000"/>
+            </a:schemeClr>
+          </a:lnRef>
+          <a:fillRef idx="1">
+            <a:schemeClr val="accent1"/>
+          </a:fillRef>
+          <a:effectRef idx="0">
+            <a:schemeClr val="accent1"/>
+          </a:effectRef>
+          <a:fontRef idx="minor">
+            <a:schemeClr val="lt1"/>
+          </a:fontRef>
+        </p:style>
+        <p:txBody>
+          <a:bodyPr rtlCol="0" anchor="ctr"/>
+          <a:lstStyle/>
+          <a:p>
+            <a:pPr algn="ctr"/>
+            <a:endParaRPr lang="en-US"/>
+          </a:p>
+        </p:txBody>
+      </p:sp>
+      <p:sp>
+        <p:nvSpPr>
+          <p:cNvPr id="2" name="Title 1"/>
+          <p:cNvSpPr>
+            <a:spLocks noGrp="1"/>
+          </p:cNvSpPr>
+          <p:nvPr>
+            <p:ph type="title"/>
+          </p:nvPr>
+        </p:nvSpPr>
+        <p:spPr>
+          <a:xfrm>
+            <a:off x="70281" y="1198418"/>
+            <a:ext cx="2716168" cy="4461163"/>
+          </a:xfrm>
+        </p:spPr>
+        <p:txBody>
+          <a:bodyPr>
+            <a:normAutofit/>
+          </a:bodyPr>
+          <a:lstStyle/>
+          <a:p>
+            <a:r>
+              <a:rPr lang="en-US" sz="3600" b="1" dirty="0">
+                <a:solidFill>
+                  <a:srgbClr val="FFFFFF"/>
+                </a:solidFill>
+              </a:rPr>
+              <a:t>Model Deployment</a:t>
+            </a:r>
+          </a:p>
+        </p:txBody>
+      </p:sp>
+      <p:sp>
+        <p:nvSpPr>
+          <p:cNvPr id="33" name="Arc 32">
+            <a:extLst>
+              <a:ext uri="{FF2B5EF4-FFF2-40B4-BE49-F238E27FC236}">
+                <a16:creationId xmlns:a16="http://schemas.microsoft.com/office/drawing/2014/main" id="{081E4A58-353D-44AE-B2FC-2A74E2E400F7}"/>
+              </a:ext>
+              <a:ext uri="{C183D7F6-B498-43B3-948B-1728B52AA6E4}">
+                <adec:decorative xmlns:adec="http://schemas.microsoft.com/office/drawing/2017/decorative" val="1"/>
+              </a:ext>
+            </a:extLst>
+          </p:cNvPr>
+          <p:cNvSpPr>
+            <a:spLocks noGrp="1" noRot="1" noChangeAspect="1" noMove="1" noResize="1" noEditPoints="1" noAdjustHandles="1" noChangeArrowheads="1" noChangeShapeType="1" noTextEdit="1"/>
+          </p:cNvSpPr>
+          <p:nvPr>
+            <p:extLst>
+              <p:ext uri="{386F3935-93C4-4BCD-93E2-E3B085C9AB24}">
+                <p16:designElem xmlns:p16="http://schemas.microsoft.com/office/powerpoint/2015/main" val="1"/>
+              </p:ext>
+            </p:extLst>
+          </p:nvPr>
+        </p:nvSpPr>
+        <p:spPr>
+          <a:xfrm flipV="1">
+            <a:off x="5662801" y="2455479"/>
+            <a:ext cx="3062575" cy="4083433"/>
+          </a:xfrm>
+          <a:prstGeom prst="arc">
+            <a:avLst/>
+          </a:prstGeom>
+          <a:ln w="127000" cap="rnd">
+            <a:solidFill>
+              <a:schemeClr val="accent4"/>
+            </a:solidFill>
+            <a:prstDash val="dash"/>
+          </a:ln>
+        </p:spPr>
+        <p:style>
+          <a:lnRef idx="1">
+            <a:schemeClr val="accent1"/>
+          </a:lnRef>
+          <a:fillRef idx="0">
+            <a:schemeClr val="accent1"/>
+          </a:fillRef>
+          <a:effectRef idx="0">
+            <a:schemeClr val="accent1"/>
+          </a:effectRef>
+          <a:fontRef idx="minor">
+            <a:schemeClr val="tx1"/>
+          </a:fontRef>
+        </p:style>
+        <p:txBody>
+          <a:bodyPr rtlCol="0" anchor="ctr"/>
+          <a:lstStyle/>
+          <a:p>
+            <a:pPr algn="ctr"/>
+            <a:endParaRPr lang="en-US" dirty="0"/>
+          </a:p>
+        </p:txBody>
+      </p:sp>
+      <p:sp>
+        <p:nvSpPr>
+          <p:cNvPr id="7" name="Rectangle 1">
+            <a:extLst>
+              <a:ext uri="{FF2B5EF4-FFF2-40B4-BE49-F238E27FC236}">
+                <a16:creationId xmlns:a16="http://schemas.microsoft.com/office/drawing/2014/main" id="{EA413156-5029-3854-7798-127BB53E9A9B}"/>
+              </a:ext>
+            </a:extLst>
+          </p:cNvPr>
+          <p:cNvSpPr>
+            <a:spLocks noGrp="1" noChangeArrowheads="1"/>
+          </p:cNvSpPr>
+          <p:nvPr>
+            <p:ph idx="1"/>
+          </p:nvPr>
+        </p:nvSpPr>
+        <p:spPr bwMode="auto">
+          <a:xfrm>
+            <a:off x="3638293" y="591343"/>
+            <a:ext cx="5179868" cy="5585619"/>
+          </a:xfrm>
+          <a:prstGeom prst="rect">
+            <a:avLst/>
+          </a:prstGeom>
+          <a:extLst>
+            <a:ext uri="{909E8E84-426E-40DD-AFC4-6F175D3DCCD1}">
+              <a14:hiddenFill xmlns:a14="http://schemas.microsoft.com/office/drawing/2010/main">
+                <a:solidFill>
+                  <a:schemeClr val="accent1"/>
+                </a:solidFill>
+              </a14:hiddenFill>
+            </a:ext>
+            <a:ext uri="{91240B29-F687-4F45-9708-019B960494DF}">
+              <a14:hiddenLine xmlns:a14="http://schemas.microsoft.com/office/drawing/2010/main" w="9525">
+                <a:solidFill>
+                  <a:schemeClr val="tx1"/>
+                </a:solidFill>
+                <a:miter lim="800000"/>
+                <a:headEnd/>
+                <a:tailEnd/>
+              </a14:hiddenLine>
+            </a:ext>
+            <a:ext uri="{AF507438-7753-43E0-B8FC-AC1667EBCBE1}">
+              <a14:hiddenEffects xmlns:a14="http://schemas.microsoft.com/office/drawing/2010/main">
+                <a:effectLst>
+                  <a:outerShdw dist="35921" dir="2700000" algn="ctr" rotWithShape="0">
+                    <a:schemeClr val="bg2"/>
+                  </a:outerShdw>
+                </a:effectLst>
+              </a14:hiddenEffects>
+            </a:ext>
+          </a:extLst>
+        </p:spPr>
+        <p:txBody>
+          <a:bodyPr vert="horz" lIns="91440" tIns="45720" rIns="91440" bIns="45720" numCol="1" anchor="ctr" anchorCtr="0" compatLnSpc="1">
+            <a:prstTxWarp prst="textNoShape">
+              <a:avLst/>
+            </a:prstTxWarp>
+            <a:normAutofit/>
+          </a:bodyPr>
+          <a:lstStyle/>
+          <a:p>
+            <a:pPr marL="0" marR="0" lvl="0" indent="0" defTabSz="914400" rtl="0" eaLnBrk="0" fontAlgn="base" latinLnBrk="0" hangingPunct="0">
+              <a:lnSpc>
+                <a:spcPct val="90000"/>
+              </a:lnSpc>
+              <a:spcBef>
+                <a:spcPct val="0"/>
+              </a:spcBef>
+              <a:spcAft>
+                <a:spcPts val="600"/>
+              </a:spcAft>
+              <a:buClrTx/>
+              <a:buSzTx/>
+              <a:buNone/>
+              <a:tabLst/>
+            </a:pPr>
+            <a:r>
+              <a:rPr lang="en-US" altLang="en-US" sz="1800" dirty="0">
+                <a:latin typeface="Arial" panose="020B0604020202020204" pitchFamily="34" charset="0"/>
+              </a:rPr>
+              <a:t>This project is deployed on </a:t>
+            </a:r>
+            <a:r>
+              <a:rPr lang="en-US" altLang="en-US" sz="1800" b="1" dirty="0">
+                <a:latin typeface="Arial" panose="020B0604020202020204" pitchFamily="34" charset="0"/>
+              </a:rPr>
+              <a:t>Oracle Cloud Infrastructure</a:t>
+            </a:r>
+            <a:r>
+              <a:rPr lang="en-US" altLang="en-US" sz="1800" dirty="0">
+                <a:latin typeface="Arial" panose="020B0604020202020204" pitchFamily="34" charset="0"/>
+              </a:rPr>
+              <a:t> using the following technologies:</a:t>
+            </a:r>
+          </a:p>
+          <a:p>
+            <a:pPr marL="0" marR="0" lvl="0" indent="0" defTabSz="914400" rtl="0" eaLnBrk="0" fontAlgn="base" latinLnBrk="0" hangingPunct="0">
+              <a:lnSpc>
+                <a:spcPct val="90000"/>
+              </a:lnSpc>
+              <a:spcBef>
+                <a:spcPct val="0"/>
+              </a:spcBef>
+              <a:spcAft>
+                <a:spcPts val="600"/>
+              </a:spcAft>
+              <a:buClrTx/>
+              <a:buSzTx/>
+              <a:buNone/>
+              <a:tabLst/>
+            </a:pPr>
+            <a:endParaRPr lang="en-US" altLang="en-US" sz="1800" dirty="0">
+              <a:latin typeface="Arial" panose="020B0604020202020204" pitchFamily="34" charset="0"/>
+            </a:endParaRPr>
+          </a:p>
+          <a:p>
+            <a:pPr marL="0" marR="0" lvl="0" indent="0" defTabSz="914400" rtl="0" eaLnBrk="0" fontAlgn="base" latinLnBrk="0" hangingPunct="0">
+              <a:lnSpc>
+                <a:spcPct val="90000"/>
+              </a:lnSpc>
+              <a:spcBef>
+                <a:spcPct val="0"/>
+              </a:spcBef>
+              <a:spcAft>
+                <a:spcPts val="600"/>
+              </a:spcAft>
+              <a:buClrTx/>
+              <a:buSzTx/>
+              <a:buNone/>
+              <a:tabLst/>
+            </a:pPr>
+            <a:r>
+              <a:rPr lang="en-US" altLang="en-US" sz="1800" b="1" dirty="0">
+                <a:latin typeface="Arial" panose="020B0604020202020204" pitchFamily="34" charset="0"/>
+              </a:rPr>
+              <a:t>Oracle VM Instance</a:t>
+            </a:r>
+            <a:r>
+              <a:rPr lang="en-US" altLang="en-US" sz="1800" dirty="0">
+                <a:latin typeface="Arial" panose="020B0604020202020204" pitchFamily="34" charset="0"/>
+              </a:rPr>
+              <a:t>: The virtual machine instance on Oracle Cloud where the application is hosted.</a:t>
+            </a:r>
+          </a:p>
+          <a:p>
+            <a:pPr marL="0" marR="0" lvl="0" indent="0" defTabSz="914400" rtl="0" eaLnBrk="0" fontAlgn="base" latinLnBrk="0" hangingPunct="0">
+              <a:lnSpc>
+                <a:spcPct val="90000"/>
+              </a:lnSpc>
+              <a:spcBef>
+                <a:spcPct val="0"/>
+              </a:spcBef>
+              <a:spcAft>
+                <a:spcPts val="600"/>
+              </a:spcAft>
+              <a:buClrTx/>
+              <a:buSzTx/>
+              <a:buNone/>
+              <a:tabLst/>
+            </a:pPr>
+            <a:r>
+              <a:rPr lang="en-US" altLang="en-US" sz="1800" b="1" dirty="0">
+                <a:latin typeface="Arial" panose="020B0604020202020204" pitchFamily="34" charset="0"/>
+              </a:rPr>
+              <a:t>Flask</a:t>
+            </a:r>
+            <a:r>
+              <a:rPr lang="en-US" altLang="en-US" sz="1800" dirty="0">
+                <a:latin typeface="Arial" panose="020B0604020202020204" pitchFamily="34" charset="0"/>
+              </a:rPr>
+              <a:t>: The web framework used to develop the application.</a:t>
+            </a:r>
+          </a:p>
+          <a:p>
+            <a:pPr marL="0" marR="0" lvl="0" indent="0" defTabSz="914400" rtl="0" eaLnBrk="0" fontAlgn="base" latinLnBrk="0" hangingPunct="0">
+              <a:lnSpc>
+                <a:spcPct val="90000"/>
+              </a:lnSpc>
+              <a:spcBef>
+                <a:spcPct val="0"/>
+              </a:spcBef>
+              <a:spcAft>
+                <a:spcPts val="600"/>
+              </a:spcAft>
+              <a:buClrTx/>
+              <a:buSzTx/>
+              <a:buNone/>
+              <a:tabLst/>
+            </a:pPr>
+            <a:r>
+              <a:rPr lang="en-US" altLang="en-US" sz="1800" b="1" dirty="0" err="1">
+                <a:latin typeface="Arial" panose="020B0604020202020204" pitchFamily="34" charset="0"/>
+              </a:rPr>
+              <a:t>Gunicorn</a:t>
+            </a:r>
+            <a:r>
+              <a:rPr lang="en-US" altLang="en-US" sz="1800" dirty="0">
+                <a:latin typeface="Arial" panose="020B0604020202020204" pitchFamily="34" charset="0"/>
+              </a:rPr>
+              <a:t>: A WSGI HTTP server for serving the Flask application in a production environment.</a:t>
+            </a:r>
+          </a:p>
+          <a:p>
+            <a:pPr marL="0" marR="0" lvl="0" indent="0" defTabSz="914400" rtl="0" eaLnBrk="0" fontAlgn="base" latinLnBrk="0" hangingPunct="0">
+              <a:lnSpc>
+                <a:spcPct val="90000"/>
+              </a:lnSpc>
+              <a:spcBef>
+                <a:spcPct val="0"/>
+              </a:spcBef>
+              <a:spcAft>
+                <a:spcPts val="600"/>
+              </a:spcAft>
+              <a:buClrTx/>
+              <a:buSzTx/>
+              <a:buNone/>
+              <a:tabLst/>
+            </a:pPr>
+            <a:r>
+              <a:rPr lang="en-US" altLang="en-US" sz="1800" b="1" dirty="0">
+                <a:latin typeface="Arial" panose="020B0604020202020204" pitchFamily="34" charset="0"/>
+              </a:rPr>
+              <a:t>WSGI</a:t>
+            </a:r>
+            <a:r>
+              <a:rPr lang="en-US" altLang="en-US" sz="1800" dirty="0">
+                <a:latin typeface="Arial" panose="020B0604020202020204" pitchFamily="34" charset="0"/>
+              </a:rPr>
+              <a:t>: The Web Server Gateway Interface standard used to interface between the web server and the Flask application.</a:t>
+            </a:r>
+          </a:p>
+          <a:p>
+            <a:pPr marL="0" marR="0" lvl="0" indent="0" defTabSz="914400" rtl="0" eaLnBrk="0" fontAlgn="base" latinLnBrk="0" hangingPunct="0">
+              <a:lnSpc>
+                <a:spcPct val="90000"/>
+              </a:lnSpc>
+              <a:spcBef>
+                <a:spcPct val="0"/>
+              </a:spcBef>
+              <a:spcAft>
+                <a:spcPts val="600"/>
+              </a:spcAft>
+              <a:buClrTx/>
+              <a:buSzTx/>
+              <a:buNone/>
+              <a:tabLst/>
+            </a:pPr>
+            <a:r>
+              <a:rPr lang="en-US" altLang="en-US" sz="1800" b="1" dirty="0">
+                <a:latin typeface="Arial" panose="020B0604020202020204" pitchFamily="34" charset="0"/>
+              </a:rPr>
+              <a:t>Nginx</a:t>
+            </a:r>
+            <a:r>
+              <a:rPr lang="en-US" altLang="en-US" sz="1800" dirty="0">
+                <a:latin typeface="Arial" panose="020B0604020202020204" pitchFamily="34" charset="0"/>
+              </a:rPr>
+              <a:t>: A high-performance web server used as a reverse proxy to handle incoming requests and serve the Flask application.</a:t>
+            </a:r>
+            <a:endParaRPr kumimoji="0" lang="en-US" altLang="en-US" sz="1800" i="0" u="none" strike="noStrike" cap="none" normalizeH="0" baseline="0" dirty="0">
+              <a:ln>
+                <a:noFill/>
+              </a:ln>
+              <a:effectLst/>
+              <a:latin typeface="Arial" panose="020B0604020202020204" pitchFamily="34" charset="0"/>
+            </a:endParaRPr>
+          </a:p>
+        </p:txBody>
+      </p:sp>
+    </p:spTree>
+    <p:extLst>
+      <p:ext uri="{BB962C8B-B14F-4D97-AF65-F5344CB8AC3E}">
+        <p14:creationId xmlns:p14="http://schemas.microsoft.com/office/powerpoint/2010/main" val="3294925527"/>
+      </p:ext>
+    </p:extLst>
+  </p:cSld>
+  <p:clrMapOvr>
+    <a:masterClrMapping/>
+  </p:clrMapOvr>
+</p:sld>
+</file>
+
+<file path=ppt/slides/slide16.xml><?xml version="1.0" encoding="utf-8"?>
+<p:sld xmlns:a="http://schemas.openxmlformats.org/drawingml/2006/main" xmlns:r="http://schemas.openxmlformats.org/officeDocument/2006/relationships" xmlns:p="http://schemas.openxmlformats.org/presentationml/2006/main">
+  <p:cSld>
+    <p:bg>
+      <p:bgPr>
+        <a:solidFill>
+          <a:schemeClr val="bg1"/>
+        </a:solidFill>
+        <a:effectLst/>
+      </p:bgPr>
+    </p:bg>
+    <p:spTree>
+      <p:nvGrpSpPr>
+        <p:cNvPr id="1" name=""/>
+        <p:cNvGrpSpPr/>
+        <p:nvPr/>
+      </p:nvGrpSpPr>
+      <p:grpSpPr>
+        <a:xfrm>
+          <a:off x="0" y="0"/>
+          <a:ext cx="0" cy="0"/>
+          <a:chOff x="0" y="0"/>
+          <a:chExt cx="0" cy="0"/>
+        </a:xfrm>
+      </p:grpSpPr>
+      <p:sp useBgFill="1">
+        <p:nvSpPr>
+          <p:cNvPr id="29" name="Rectangle 28">
+            <a:extLst>
+              <a:ext uri="{FF2B5EF4-FFF2-40B4-BE49-F238E27FC236}">
+                <a16:creationId xmlns:a16="http://schemas.microsoft.com/office/drawing/2014/main" id="{907EF6B7-1338-4443-8C46-6A318D952DFD}"/>
+              </a:ext>
+              <a:ext uri="{C183D7F6-B498-43B3-948B-1728B52AA6E4}">
+                <adec:decorative xmlns:adec="http://schemas.microsoft.com/office/drawing/2017/decorative" val="1"/>
+              </a:ext>
+            </a:extLst>
+          </p:cNvPr>
+          <p:cNvSpPr>
+            <a:spLocks noGrp="1" noRot="1" noChangeAspect="1" noMove="1" noResize="1" noEditPoints="1" noAdjustHandles="1" noChangeArrowheads="1" noChangeShapeType="1" noTextEdit="1"/>
+          </p:cNvSpPr>
+          <p:nvPr>
+            <p:extLst>
+              <p:ext uri="{386F3935-93C4-4BCD-93E2-E3B085C9AB24}">
+                <p16:designElem xmlns:p16="http://schemas.microsoft.com/office/powerpoint/2015/main" val="1"/>
+              </p:ext>
+            </p:extLst>
+          </p:nvPr>
+        </p:nvSpPr>
+        <p:spPr>
+          <a:xfrm>
+            <a:off x="2286" y="0"/>
+            <a:ext cx="9141714" cy="6858000"/>
+          </a:xfrm>
+          <a:prstGeom prst="rect">
+            <a:avLst/>
+          </a:prstGeom>
+          <a:ln>
+            <a:noFill/>
+          </a:ln>
+        </p:spPr>
+        <p:style>
+          <a:lnRef idx="2">
+            <a:schemeClr val="accent1">
+              <a:shade val="50000"/>
+            </a:schemeClr>
+          </a:lnRef>
+          <a:fillRef idx="1">
+            <a:schemeClr val="accent1"/>
+          </a:fillRef>
+          <a:effectRef idx="0">
+            <a:schemeClr val="accent1"/>
+          </a:effectRef>
+          <a:fontRef idx="minor">
+            <a:schemeClr val="lt1"/>
+          </a:fontRef>
+        </p:style>
+        <p:txBody>
+          <a:bodyPr rtlCol="0" anchor="ctr"/>
+          <a:lstStyle/>
+          <a:p>
+            <a:pPr algn="ctr"/>
+            <a:endParaRPr lang="en-US"/>
+          </a:p>
+        </p:txBody>
+      </p:sp>
+      <p:sp>
+        <p:nvSpPr>
+          <p:cNvPr id="31" name="Freeform: Shape 30">
+            <a:extLst>
+              <a:ext uri="{FF2B5EF4-FFF2-40B4-BE49-F238E27FC236}">
+                <a16:creationId xmlns:a16="http://schemas.microsoft.com/office/drawing/2014/main" id="{DAAE4CDD-124C-4DCF-9584-B6033B545DD5}"/>
+              </a:ext>
+              <a:ext uri="{C183D7F6-B498-43B3-948B-1728B52AA6E4}">
+                <adec:decorative xmlns:adec="http://schemas.microsoft.com/office/drawing/2017/decorative" val="1"/>
+              </a:ext>
+            </a:extLst>
+          </p:cNvPr>
+          <p:cNvSpPr>
+            <a:spLocks noGrp="1" noRot="1" noChangeAspect="1" noMove="1" noResize="1" noEditPoints="1" noAdjustHandles="1" noChangeArrowheads="1" noChangeShapeType="1" noTextEdit="1"/>
+          </p:cNvSpPr>
+          <p:nvPr>
+            <p:extLst>
+              <p:ext uri="{386F3935-93C4-4BCD-93E2-E3B085C9AB24}">
+                <p16:designElem xmlns:p16="http://schemas.microsoft.com/office/powerpoint/2015/main" val="1"/>
+              </p:ext>
+            </p:extLst>
+          </p:nvPr>
+        </p:nvSpPr>
+        <p:spPr>
+          <a:xfrm>
+            <a:off x="0" y="0"/>
+            <a:ext cx="3125454" cy="6858000"/>
+          </a:xfrm>
+          <a:custGeom>
+            <a:avLst/>
+            <a:gdLst>
+              <a:gd name="connsiteX0" fmla="*/ 0 w 4167271"/>
+              <a:gd name="connsiteY0" fmla="*/ 0 h 6858000"/>
+              <a:gd name="connsiteX1" fmla="*/ 2259550 w 4167271"/>
+              <a:gd name="connsiteY1" fmla="*/ 0 h 6858000"/>
+              <a:gd name="connsiteX2" fmla="*/ 2387803 w 4167271"/>
+              <a:gd name="connsiteY2" fmla="*/ 82222 h 6858000"/>
+              <a:gd name="connsiteX3" fmla="*/ 4167271 w 4167271"/>
+              <a:gd name="connsiteY3" fmla="*/ 3429000 h 6858000"/>
+              <a:gd name="connsiteX4" fmla="*/ 2387803 w 4167271"/>
+              <a:gd name="connsiteY4" fmla="*/ 6775779 h 6858000"/>
+              <a:gd name="connsiteX5" fmla="*/ 2259550 w 4167271"/>
+              <a:gd name="connsiteY5" fmla="*/ 6858000 h 6858000"/>
+              <a:gd name="connsiteX6" fmla="*/ 0 w 4167271"/>
+              <a:gd name="connsiteY6" fmla="*/ 6858000 h 6858000"/>
+            </a:gdLst>
+            <a:ahLst/>
+            <a:cxnLst>
+              <a:cxn ang="0">
+                <a:pos x="connsiteX0" y="connsiteY0"/>
+              </a:cxn>
+              <a:cxn ang="0">
+                <a:pos x="connsiteX1" y="connsiteY1"/>
+              </a:cxn>
+              <a:cxn ang="0">
+                <a:pos x="connsiteX2" y="connsiteY2"/>
+              </a:cxn>
+              <a:cxn ang="0">
+                <a:pos x="connsiteX3" y="connsiteY3"/>
+              </a:cxn>
+              <a:cxn ang="0">
+                <a:pos x="connsiteX4" y="connsiteY4"/>
+              </a:cxn>
+              <a:cxn ang="0">
+                <a:pos x="connsiteX5" y="connsiteY5"/>
+              </a:cxn>
+              <a:cxn ang="0">
+                <a:pos x="connsiteX6" y="connsiteY6"/>
+              </a:cxn>
+            </a:cxnLst>
+            <a:rect l="l" t="t" r="r" b="b"/>
+            <a:pathLst>
+              <a:path w="4167271" h="6858000">
+                <a:moveTo>
+                  <a:pt x="0" y="0"/>
+                </a:moveTo>
+                <a:lnTo>
+                  <a:pt x="2259550" y="0"/>
+                </a:lnTo>
+                <a:lnTo>
+                  <a:pt x="2387803" y="82222"/>
+                </a:lnTo>
+                <a:cubicBezTo>
+                  <a:pt x="3461407" y="807534"/>
+                  <a:pt x="4167271" y="2035835"/>
+                  <a:pt x="4167271" y="3429000"/>
+                </a:cubicBezTo>
+                <a:cubicBezTo>
+                  <a:pt x="4167271" y="4822165"/>
+                  <a:pt x="3461407" y="6050467"/>
+                  <a:pt x="2387803" y="6775779"/>
+                </a:cubicBezTo>
+                <a:lnTo>
+                  <a:pt x="2259550" y="6858000"/>
+                </a:lnTo>
+                <a:lnTo>
+                  <a:pt x="0" y="6858000"/>
+                </a:lnTo>
+                <a:close/>
+              </a:path>
+            </a:pathLst>
+          </a:custGeom>
+          <a:solidFill>
+            <a:schemeClr val="accent2"/>
+          </a:solidFill>
+          <a:ln>
+            <a:noFill/>
+          </a:ln>
+        </p:spPr>
+        <p:style>
+          <a:lnRef idx="2">
+            <a:schemeClr val="accent1">
+              <a:shade val="50000"/>
+            </a:schemeClr>
+          </a:lnRef>
+          <a:fillRef idx="1">
+            <a:schemeClr val="accent1"/>
+          </a:fillRef>
+          <a:effectRef idx="0">
+            <a:schemeClr val="accent1"/>
+          </a:effectRef>
+          <a:fontRef idx="minor">
+            <a:schemeClr val="lt1"/>
+          </a:fontRef>
+        </p:style>
+        <p:txBody>
+          <a:bodyPr rtlCol="0" anchor="ctr"/>
+          <a:lstStyle/>
+          <a:p>
+            <a:pPr algn="ctr"/>
+            <a:endParaRPr lang="en-US"/>
+          </a:p>
+        </p:txBody>
+      </p:sp>
+      <p:sp>
+        <p:nvSpPr>
+          <p:cNvPr id="2" name="Title 1"/>
+          <p:cNvSpPr>
+            <a:spLocks noGrp="1"/>
+          </p:cNvSpPr>
+          <p:nvPr>
+            <p:ph type="title"/>
+          </p:nvPr>
+        </p:nvSpPr>
+        <p:spPr>
+          <a:xfrm>
+            <a:off x="70281" y="1198418"/>
+            <a:ext cx="2716168" cy="4461163"/>
+          </a:xfrm>
+        </p:spPr>
+        <p:txBody>
+          <a:bodyPr>
+            <a:normAutofit/>
+          </a:bodyPr>
+          <a:lstStyle/>
+          <a:p>
+            <a:r>
+              <a:rPr lang="en-US" sz="3600" b="1" dirty="0">
+                <a:solidFill>
+                  <a:srgbClr val="FFFFFF"/>
+                </a:solidFill>
+              </a:rPr>
+              <a:t>LIVE </a:t>
+            </a:r>
+            <a:br>
+              <a:rPr lang="en-US" sz="3600" b="1" dirty="0">
+                <a:solidFill>
+                  <a:srgbClr val="FFFFFF"/>
+                </a:solidFill>
+              </a:rPr>
+            </a:br>
+            <a:r>
+              <a:rPr lang="en-US" sz="3600" b="1" dirty="0">
+                <a:solidFill>
+                  <a:srgbClr val="FFFFFF"/>
+                </a:solidFill>
+              </a:rPr>
+              <a:t>DEMO</a:t>
+            </a:r>
+          </a:p>
+        </p:txBody>
+      </p:sp>
+      <p:sp>
+        <p:nvSpPr>
+          <p:cNvPr id="33" name="Arc 32">
+            <a:extLst>
+              <a:ext uri="{FF2B5EF4-FFF2-40B4-BE49-F238E27FC236}">
+                <a16:creationId xmlns:a16="http://schemas.microsoft.com/office/drawing/2014/main" id="{081E4A58-353D-44AE-B2FC-2A74E2E400F7}"/>
+              </a:ext>
+              <a:ext uri="{C183D7F6-B498-43B3-948B-1728B52AA6E4}">
+                <adec:decorative xmlns:adec="http://schemas.microsoft.com/office/drawing/2017/decorative" val="1"/>
+              </a:ext>
+            </a:extLst>
+          </p:cNvPr>
+          <p:cNvSpPr>
+            <a:spLocks noGrp="1" noRot="1" noChangeAspect="1" noMove="1" noResize="1" noEditPoints="1" noAdjustHandles="1" noChangeArrowheads="1" noChangeShapeType="1" noTextEdit="1"/>
+          </p:cNvSpPr>
+          <p:nvPr>
+            <p:extLst>
+              <p:ext uri="{386F3935-93C4-4BCD-93E2-E3B085C9AB24}">
+                <p16:designElem xmlns:p16="http://schemas.microsoft.com/office/powerpoint/2015/main" val="1"/>
+              </p:ext>
+            </p:extLst>
+          </p:nvPr>
+        </p:nvSpPr>
+        <p:spPr>
+          <a:xfrm flipV="1">
+            <a:off x="5662801" y="2455479"/>
+            <a:ext cx="3062575" cy="4083433"/>
+          </a:xfrm>
+          <a:prstGeom prst="arc">
+            <a:avLst/>
+          </a:prstGeom>
+          <a:ln w="127000" cap="rnd">
+            <a:solidFill>
+              <a:schemeClr val="accent4"/>
+            </a:solidFill>
+            <a:prstDash val="dash"/>
+          </a:ln>
+        </p:spPr>
+        <p:style>
+          <a:lnRef idx="1">
+            <a:schemeClr val="accent1"/>
+          </a:lnRef>
+          <a:fillRef idx="0">
+            <a:schemeClr val="accent1"/>
+          </a:fillRef>
+          <a:effectRef idx="0">
+            <a:schemeClr val="accent1"/>
+          </a:effectRef>
+          <a:fontRef idx="minor">
+            <a:schemeClr val="tx1"/>
+          </a:fontRef>
+        </p:style>
+        <p:txBody>
+          <a:bodyPr rtlCol="0" anchor="ctr"/>
+          <a:lstStyle/>
+          <a:p>
+            <a:pPr algn="ctr"/>
+            <a:endParaRPr lang="en-US" dirty="0"/>
+          </a:p>
+        </p:txBody>
+      </p:sp>
+      <p:sp>
+        <p:nvSpPr>
+          <p:cNvPr id="9" name="TextBox 8">
+            <a:extLst>
+              <a:ext uri="{FF2B5EF4-FFF2-40B4-BE49-F238E27FC236}">
+                <a16:creationId xmlns:a16="http://schemas.microsoft.com/office/drawing/2014/main" id="{D4B27D9F-CB29-E32B-001E-E84164C93930}"/>
+              </a:ext>
+            </a:extLst>
+          </p:cNvPr>
+          <p:cNvSpPr txBox="1"/>
+          <p:nvPr/>
+        </p:nvSpPr>
+        <p:spPr>
+          <a:xfrm>
+            <a:off x="3905225" y="3136611"/>
+            <a:ext cx="4046492" cy="584775"/>
+          </a:xfrm>
+          <a:prstGeom prst="rect">
+            <a:avLst/>
+          </a:prstGeom>
+          <a:noFill/>
+        </p:spPr>
+        <p:txBody>
+          <a:bodyPr wrap="none" rtlCol="0">
+            <a:spAutoFit/>
+          </a:bodyPr>
+          <a:lstStyle/>
+          <a:p>
+            <a:r>
+              <a:rPr lang="en-CA" sz="3200" b="1" dirty="0">
+                <a:solidFill>
+                  <a:schemeClr val="accent2"/>
+                </a:solidFill>
+                <a:hlinkClick r:id="rId2">
+                  <a:extLst>
+                    <a:ext uri="{A12FA001-AC4F-418D-AE19-62706E023703}">
+                      <ahyp:hlinkClr xmlns:ahyp="http://schemas.microsoft.com/office/drawing/2018/hyperlinkcolor" val="tx"/>
+                    </a:ext>
+                  </a:extLst>
+                </a:hlinkClick>
+              </a:rPr>
+              <a:t>SMS SPAM DETECTION</a:t>
+            </a:r>
+            <a:endParaRPr lang="en-CA" sz="3200" b="1" dirty="0">
+              <a:solidFill>
+                <a:schemeClr val="accent2"/>
+              </a:solidFill>
+            </a:endParaRPr>
+          </a:p>
+        </p:txBody>
+      </p:sp>
+    </p:spTree>
+    <p:extLst>
+      <p:ext uri="{BB962C8B-B14F-4D97-AF65-F5344CB8AC3E}">
+        <p14:creationId xmlns:p14="http://schemas.microsoft.com/office/powerpoint/2010/main" val="3197622532"/>
+      </p:ext>
+    </p:extLst>
+  </p:cSld>
+  <p:clrMapOvr>
+    <a:masterClrMapping/>
+  </p:clrMapOvr>
+</p:sld>
+</file>
+
+<file path=ppt/slides/slide17.xml><?xml version="1.0" encoding="utf-8"?>
+<p:sld xmlns:a="http://schemas.openxmlformats.org/drawingml/2006/main" xmlns:r="http://schemas.openxmlformats.org/officeDocument/2006/relationships" xmlns:p="http://schemas.openxmlformats.org/presentationml/2006/main">
+  <p:cSld>
+    <p:bg>
+      <p:bgPr>
+        <a:solidFill>
+          <a:schemeClr val="bg1"/>
+        </a:solidFill>
+        <a:effectLst/>
+      </p:bgPr>
+    </p:bg>
+    <p:spTree>
+      <p:nvGrpSpPr>
+        <p:cNvPr id="1" name=""/>
+        <p:cNvGrpSpPr/>
+        <p:nvPr/>
+      </p:nvGrpSpPr>
+      <p:grpSpPr>
+        <a:xfrm>
+          <a:off x="0" y="0"/>
+          <a:ext cx="0" cy="0"/>
+          <a:chOff x="0" y="0"/>
+          <a:chExt cx="0" cy="0"/>
+        </a:xfrm>
+      </p:grpSpPr>
+      <p:sp useBgFill="1">
+        <p:nvSpPr>
           <p:cNvPr id="8" name="Rectangle 7">
             <a:extLst>
               <a:ext uri="{FF2B5EF4-FFF2-40B4-BE49-F238E27FC236}">
@@ -7303,7 +8341,7 @@
 </p:sld>
 </file>
 
-<file path=ppt/slides/slide16.xml><?xml version="1.0" encoding="utf-8"?>
+<file path=ppt/slides/slide18.xml><?xml version="1.0" encoding="utf-8"?>
 <p:sld xmlns:a="http://schemas.openxmlformats.org/drawingml/2006/main" xmlns:r="http://schemas.openxmlformats.org/officeDocument/2006/relationships" xmlns:p="http://schemas.openxmlformats.org/presentationml/2006/main">
   <p:cSld>
     <p:bg>
@@ -8282,7 +9320,7 @@
 </p:sld>
 </file>
 
-<file path=ppt/slides/slide17.xml><?xml version="1.0" encoding="utf-8"?>
+<file path=ppt/slides/slide19.xml><?xml version="1.0" encoding="utf-8"?>
 <p:sld xmlns:a="http://schemas.openxmlformats.org/drawingml/2006/main" xmlns:r="http://schemas.openxmlformats.org/officeDocument/2006/relationships" xmlns:p="http://schemas.openxmlformats.org/presentationml/2006/main">
   <p:cSld>
     <p:bg>
@@ -8824,792 +9862,6 @@
 </p:sld>
 </file>
 
-<file path=ppt/slides/slide18.xml><?xml version="1.0" encoding="utf-8"?>
-<p:sld xmlns:a="http://schemas.openxmlformats.org/drawingml/2006/main" xmlns:r="http://schemas.openxmlformats.org/officeDocument/2006/relationships" xmlns:p="http://schemas.openxmlformats.org/presentationml/2006/main">
-  <p:cSld>
-    <p:bg>
-      <p:bgPr>
-        <a:solidFill>
-          <a:schemeClr val="bg1"/>
-        </a:solidFill>
-        <a:effectLst/>
-      </p:bgPr>
-    </p:bg>
-    <p:spTree>
-      <p:nvGrpSpPr>
-        <p:cNvPr id="1" name=""/>
-        <p:cNvGrpSpPr/>
-        <p:nvPr/>
-      </p:nvGrpSpPr>
-      <p:grpSpPr>
-        <a:xfrm>
-          <a:off x="0" y="0"/>
-          <a:ext cx="0" cy="0"/>
-          <a:chOff x="0" y="0"/>
-          <a:chExt cx="0" cy="0"/>
-        </a:xfrm>
-      </p:grpSpPr>
-      <p:sp useBgFill="1">
-        <p:nvSpPr>
-          <p:cNvPr id="29" name="Rectangle 28">
-            <a:extLst>
-              <a:ext uri="{FF2B5EF4-FFF2-40B4-BE49-F238E27FC236}">
-                <a16:creationId xmlns:a16="http://schemas.microsoft.com/office/drawing/2014/main" id="{907EF6B7-1338-4443-8C46-6A318D952DFD}"/>
-              </a:ext>
-              <a:ext uri="{C183D7F6-B498-43B3-948B-1728B52AA6E4}">
-                <adec:decorative xmlns:adec="http://schemas.microsoft.com/office/drawing/2017/decorative" val="1"/>
-              </a:ext>
-            </a:extLst>
-          </p:cNvPr>
-          <p:cNvSpPr>
-            <a:spLocks noGrp="1" noRot="1" noChangeAspect="1" noMove="1" noResize="1" noEditPoints="1" noAdjustHandles="1" noChangeArrowheads="1" noChangeShapeType="1" noTextEdit="1"/>
-          </p:cNvSpPr>
-          <p:nvPr>
-            <p:extLst>
-              <p:ext uri="{386F3935-93C4-4BCD-93E2-E3B085C9AB24}">
-                <p16:designElem xmlns:p16="http://schemas.microsoft.com/office/powerpoint/2015/main" val="1"/>
-              </p:ext>
-            </p:extLst>
-          </p:nvPr>
-        </p:nvSpPr>
-        <p:spPr>
-          <a:xfrm>
-            <a:off x="2286" y="0"/>
-            <a:ext cx="9141714" cy="6858000"/>
-          </a:xfrm>
-          <a:prstGeom prst="rect">
-            <a:avLst/>
-          </a:prstGeom>
-          <a:ln>
-            <a:noFill/>
-          </a:ln>
-        </p:spPr>
-        <p:style>
-          <a:lnRef idx="2">
-            <a:schemeClr val="accent1">
-              <a:shade val="50000"/>
-            </a:schemeClr>
-          </a:lnRef>
-          <a:fillRef idx="1">
-            <a:schemeClr val="accent1"/>
-          </a:fillRef>
-          <a:effectRef idx="0">
-            <a:schemeClr val="accent1"/>
-          </a:effectRef>
-          <a:fontRef idx="minor">
-            <a:schemeClr val="lt1"/>
-          </a:fontRef>
-        </p:style>
-        <p:txBody>
-          <a:bodyPr rtlCol="0" anchor="ctr"/>
-          <a:lstStyle/>
-          <a:p>
-            <a:pPr algn="ctr"/>
-            <a:endParaRPr lang="en-US"/>
-          </a:p>
-        </p:txBody>
-      </p:sp>
-      <p:sp>
-        <p:nvSpPr>
-          <p:cNvPr id="31" name="Freeform: Shape 30">
-            <a:extLst>
-              <a:ext uri="{FF2B5EF4-FFF2-40B4-BE49-F238E27FC236}">
-                <a16:creationId xmlns:a16="http://schemas.microsoft.com/office/drawing/2014/main" id="{DAAE4CDD-124C-4DCF-9584-B6033B545DD5}"/>
-              </a:ext>
-              <a:ext uri="{C183D7F6-B498-43B3-948B-1728B52AA6E4}">
-                <adec:decorative xmlns:adec="http://schemas.microsoft.com/office/drawing/2017/decorative" val="1"/>
-              </a:ext>
-            </a:extLst>
-          </p:cNvPr>
-          <p:cNvSpPr>
-            <a:spLocks noGrp="1" noRot="1" noChangeAspect="1" noMove="1" noResize="1" noEditPoints="1" noAdjustHandles="1" noChangeArrowheads="1" noChangeShapeType="1" noTextEdit="1"/>
-          </p:cNvSpPr>
-          <p:nvPr>
-            <p:extLst>
-              <p:ext uri="{386F3935-93C4-4BCD-93E2-E3B085C9AB24}">
-                <p16:designElem xmlns:p16="http://schemas.microsoft.com/office/powerpoint/2015/main" val="1"/>
-              </p:ext>
-            </p:extLst>
-          </p:nvPr>
-        </p:nvSpPr>
-        <p:spPr>
-          <a:xfrm>
-            <a:off x="0" y="0"/>
-            <a:ext cx="3125454" cy="6858000"/>
-          </a:xfrm>
-          <a:custGeom>
-            <a:avLst/>
-            <a:gdLst>
-              <a:gd name="connsiteX0" fmla="*/ 0 w 4167271"/>
-              <a:gd name="connsiteY0" fmla="*/ 0 h 6858000"/>
-              <a:gd name="connsiteX1" fmla="*/ 2259550 w 4167271"/>
-              <a:gd name="connsiteY1" fmla="*/ 0 h 6858000"/>
-              <a:gd name="connsiteX2" fmla="*/ 2387803 w 4167271"/>
-              <a:gd name="connsiteY2" fmla="*/ 82222 h 6858000"/>
-              <a:gd name="connsiteX3" fmla="*/ 4167271 w 4167271"/>
-              <a:gd name="connsiteY3" fmla="*/ 3429000 h 6858000"/>
-              <a:gd name="connsiteX4" fmla="*/ 2387803 w 4167271"/>
-              <a:gd name="connsiteY4" fmla="*/ 6775779 h 6858000"/>
-              <a:gd name="connsiteX5" fmla="*/ 2259550 w 4167271"/>
-              <a:gd name="connsiteY5" fmla="*/ 6858000 h 6858000"/>
-              <a:gd name="connsiteX6" fmla="*/ 0 w 4167271"/>
-              <a:gd name="connsiteY6" fmla="*/ 6858000 h 6858000"/>
-            </a:gdLst>
-            <a:ahLst/>
-            <a:cxnLst>
-              <a:cxn ang="0">
-                <a:pos x="connsiteX0" y="connsiteY0"/>
-              </a:cxn>
-              <a:cxn ang="0">
-                <a:pos x="connsiteX1" y="connsiteY1"/>
-              </a:cxn>
-              <a:cxn ang="0">
-                <a:pos x="connsiteX2" y="connsiteY2"/>
-              </a:cxn>
-              <a:cxn ang="0">
-                <a:pos x="connsiteX3" y="connsiteY3"/>
-              </a:cxn>
-              <a:cxn ang="0">
-                <a:pos x="connsiteX4" y="connsiteY4"/>
-              </a:cxn>
-              <a:cxn ang="0">
-                <a:pos x="connsiteX5" y="connsiteY5"/>
-              </a:cxn>
-              <a:cxn ang="0">
-                <a:pos x="connsiteX6" y="connsiteY6"/>
-              </a:cxn>
-            </a:cxnLst>
-            <a:rect l="l" t="t" r="r" b="b"/>
-            <a:pathLst>
-              <a:path w="4167271" h="6858000">
-                <a:moveTo>
-                  <a:pt x="0" y="0"/>
-                </a:moveTo>
-                <a:lnTo>
-                  <a:pt x="2259550" y="0"/>
-                </a:lnTo>
-                <a:lnTo>
-                  <a:pt x="2387803" y="82222"/>
-                </a:lnTo>
-                <a:cubicBezTo>
-                  <a:pt x="3461407" y="807534"/>
-                  <a:pt x="4167271" y="2035835"/>
-                  <a:pt x="4167271" y="3429000"/>
-                </a:cubicBezTo>
-                <a:cubicBezTo>
-                  <a:pt x="4167271" y="4822165"/>
-                  <a:pt x="3461407" y="6050467"/>
-                  <a:pt x="2387803" y="6775779"/>
-                </a:cubicBezTo>
-                <a:lnTo>
-                  <a:pt x="2259550" y="6858000"/>
-                </a:lnTo>
-                <a:lnTo>
-                  <a:pt x="0" y="6858000"/>
-                </a:lnTo>
-                <a:close/>
-              </a:path>
-            </a:pathLst>
-          </a:custGeom>
-          <a:solidFill>
-            <a:schemeClr val="accent2"/>
-          </a:solidFill>
-          <a:ln>
-            <a:noFill/>
-          </a:ln>
-        </p:spPr>
-        <p:style>
-          <a:lnRef idx="2">
-            <a:schemeClr val="accent1">
-              <a:shade val="50000"/>
-            </a:schemeClr>
-          </a:lnRef>
-          <a:fillRef idx="1">
-            <a:schemeClr val="accent1"/>
-          </a:fillRef>
-          <a:effectRef idx="0">
-            <a:schemeClr val="accent1"/>
-          </a:effectRef>
-          <a:fontRef idx="minor">
-            <a:schemeClr val="lt1"/>
-          </a:fontRef>
-        </p:style>
-        <p:txBody>
-          <a:bodyPr rtlCol="0" anchor="ctr"/>
-          <a:lstStyle/>
-          <a:p>
-            <a:pPr algn="ctr"/>
-            <a:endParaRPr lang="en-US"/>
-          </a:p>
-        </p:txBody>
-      </p:sp>
-      <p:sp>
-        <p:nvSpPr>
-          <p:cNvPr id="2" name="Title 1"/>
-          <p:cNvSpPr>
-            <a:spLocks noGrp="1"/>
-          </p:cNvSpPr>
-          <p:nvPr>
-            <p:ph type="title"/>
-          </p:nvPr>
-        </p:nvSpPr>
-        <p:spPr>
-          <a:xfrm>
-            <a:off x="70281" y="1198418"/>
-            <a:ext cx="2716168" cy="4461163"/>
-          </a:xfrm>
-        </p:spPr>
-        <p:txBody>
-          <a:bodyPr>
-            <a:normAutofit/>
-          </a:bodyPr>
-          <a:lstStyle/>
-          <a:p>
-            <a:r>
-              <a:rPr lang="en-US" sz="3600" b="1" dirty="0">
-                <a:solidFill>
-                  <a:srgbClr val="FFFFFF"/>
-                </a:solidFill>
-              </a:rPr>
-              <a:t>DEMO</a:t>
-            </a:r>
-          </a:p>
-        </p:txBody>
-      </p:sp>
-      <p:sp>
-        <p:nvSpPr>
-          <p:cNvPr id="33" name="Arc 32">
-            <a:extLst>
-              <a:ext uri="{FF2B5EF4-FFF2-40B4-BE49-F238E27FC236}">
-                <a16:creationId xmlns:a16="http://schemas.microsoft.com/office/drawing/2014/main" id="{081E4A58-353D-44AE-B2FC-2A74E2E400F7}"/>
-              </a:ext>
-              <a:ext uri="{C183D7F6-B498-43B3-948B-1728B52AA6E4}">
-                <adec:decorative xmlns:adec="http://schemas.microsoft.com/office/drawing/2017/decorative" val="1"/>
-              </a:ext>
-            </a:extLst>
-          </p:cNvPr>
-          <p:cNvSpPr>
-            <a:spLocks noGrp="1" noRot="1" noChangeAspect="1" noMove="1" noResize="1" noEditPoints="1" noAdjustHandles="1" noChangeArrowheads="1" noChangeShapeType="1" noTextEdit="1"/>
-          </p:cNvSpPr>
-          <p:nvPr>
-            <p:extLst>
-              <p:ext uri="{386F3935-93C4-4BCD-93E2-E3B085C9AB24}">
-                <p16:designElem xmlns:p16="http://schemas.microsoft.com/office/powerpoint/2015/main" val="1"/>
-              </p:ext>
-            </p:extLst>
-          </p:nvPr>
-        </p:nvSpPr>
-        <p:spPr>
-          <a:xfrm flipV="1">
-            <a:off x="5662801" y="2455479"/>
-            <a:ext cx="3062575" cy="4083433"/>
-          </a:xfrm>
-          <a:prstGeom prst="arc">
-            <a:avLst/>
-          </a:prstGeom>
-          <a:ln w="127000" cap="rnd">
-            <a:solidFill>
-              <a:schemeClr val="accent4"/>
-            </a:solidFill>
-            <a:prstDash val="dash"/>
-          </a:ln>
-        </p:spPr>
-        <p:style>
-          <a:lnRef idx="1">
-            <a:schemeClr val="accent1"/>
-          </a:lnRef>
-          <a:fillRef idx="0">
-            <a:schemeClr val="accent1"/>
-          </a:fillRef>
-          <a:effectRef idx="0">
-            <a:schemeClr val="accent1"/>
-          </a:effectRef>
-          <a:fontRef idx="minor">
-            <a:schemeClr val="tx1"/>
-          </a:fontRef>
-        </p:style>
-        <p:txBody>
-          <a:bodyPr rtlCol="0" anchor="ctr"/>
-          <a:lstStyle/>
-          <a:p>
-            <a:pPr algn="ctr"/>
-            <a:endParaRPr lang="en-US" dirty="0"/>
-          </a:p>
-        </p:txBody>
-      </p:sp>
-      <p:pic>
-        <p:nvPicPr>
-          <p:cNvPr id="8" name="Content Placeholder 7" descr="A screenshot of a spam&#10;&#10;Description automatically generated">
-            <a:extLst>
-              <a:ext uri="{FF2B5EF4-FFF2-40B4-BE49-F238E27FC236}">
-                <a16:creationId xmlns:a16="http://schemas.microsoft.com/office/drawing/2014/main" id="{675DF17F-71D5-0BD0-B12A-B2915F61B563}"/>
-              </a:ext>
-            </a:extLst>
-          </p:cNvPr>
-          <p:cNvPicPr>
-            <a:picLocks noGrp="1" noChangeAspect="1"/>
-          </p:cNvPicPr>
-          <p:nvPr>
-            <p:ph idx="1"/>
-          </p:nvPr>
-        </p:nvPicPr>
-        <p:blipFill>
-          <a:blip r:embed="rId2"/>
-          <a:stretch>
-            <a:fillRect/>
-          </a:stretch>
-        </p:blipFill>
-        <p:spPr>
-          <a:xfrm>
-            <a:off x="2615760" y="1291503"/>
-            <a:ext cx="5818810" cy="3977726"/>
-          </a:xfrm>
-        </p:spPr>
-      </p:pic>
-      <p:sp>
-        <p:nvSpPr>
-          <p:cNvPr id="9" name="TextBox 8">
-            <a:extLst>
-              <a:ext uri="{FF2B5EF4-FFF2-40B4-BE49-F238E27FC236}">
-                <a16:creationId xmlns:a16="http://schemas.microsoft.com/office/drawing/2014/main" id="{D4B27D9F-CB29-E32B-001E-E84164C93930}"/>
-              </a:ext>
-            </a:extLst>
-          </p:cNvPr>
-          <p:cNvSpPr txBox="1"/>
-          <p:nvPr/>
-        </p:nvSpPr>
-        <p:spPr>
-          <a:xfrm>
-            <a:off x="5900333" y="5290249"/>
-            <a:ext cx="2485360" cy="369332"/>
-          </a:xfrm>
-          <a:prstGeom prst="rect">
-            <a:avLst/>
-          </a:prstGeom>
-          <a:noFill/>
-        </p:spPr>
-        <p:txBody>
-          <a:bodyPr wrap="none" rtlCol="0">
-            <a:spAutoFit/>
-          </a:bodyPr>
-          <a:lstStyle/>
-          <a:p>
-            <a:r>
-              <a:rPr lang="en-CA" b="1" dirty="0">
-                <a:hlinkClick r:id="rId3">
-                  <a:extLst>
-                    <a:ext uri="{A12FA001-AC4F-418D-AE19-62706E023703}">
-                      <ahyp:hlinkClr xmlns:ahyp="http://schemas.microsoft.com/office/drawing/2018/hyperlinkcolor" val="tx"/>
-                    </a:ext>
-                  </a:extLst>
-                </a:hlinkClick>
-              </a:rPr>
-              <a:t>http://detectsms.online</a:t>
-            </a:r>
-            <a:endParaRPr lang="en-CA" b="1" dirty="0"/>
-          </a:p>
-        </p:txBody>
-      </p:sp>
-    </p:spTree>
-    <p:extLst>
-      <p:ext uri="{BB962C8B-B14F-4D97-AF65-F5344CB8AC3E}">
-        <p14:creationId xmlns:p14="http://schemas.microsoft.com/office/powerpoint/2010/main" val="3227734902"/>
-      </p:ext>
-    </p:extLst>
-  </p:cSld>
-  <p:clrMapOvr>
-    <a:masterClrMapping/>
-  </p:clrMapOvr>
-</p:sld>
-</file>
-
-<file path=ppt/slides/slide19.xml><?xml version="1.0" encoding="utf-8"?>
-<p:sld xmlns:a="http://schemas.openxmlformats.org/drawingml/2006/main" xmlns:r="http://schemas.openxmlformats.org/officeDocument/2006/relationships" xmlns:p="http://schemas.openxmlformats.org/presentationml/2006/main">
-  <p:cSld>
-    <p:bg>
-      <p:bgPr>
-        <a:solidFill>
-          <a:schemeClr val="bg1"/>
-        </a:solidFill>
-        <a:effectLst/>
-      </p:bgPr>
-    </p:bg>
-    <p:spTree>
-      <p:nvGrpSpPr>
-        <p:cNvPr id="1" name=""/>
-        <p:cNvGrpSpPr/>
-        <p:nvPr/>
-      </p:nvGrpSpPr>
-      <p:grpSpPr>
-        <a:xfrm>
-          <a:off x="0" y="0"/>
-          <a:ext cx="0" cy="0"/>
-          <a:chOff x="0" y="0"/>
-          <a:chExt cx="0" cy="0"/>
-        </a:xfrm>
-      </p:grpSpPr>
-      <p:sp useBgFill="1">
-        <p:nvSpPr>
-          <p:cNvPr id="8" name="Rectangle 7">
-            <a:extLst>
-              <a:ext uri="{FF2B5EF4-FFF2-40B4-BE49-F238E27FC236}">
-                <a16:creationId xmlns:a16="http://schemas.microsoft.com/office/drawing/2014/main" id="{907EF6B7-1338-4443-8C46-6A318D952DFD}"/>
-              </a:ext>
-              <a:ext uri="{C183D7F6-B498-43B3-948B-1728B52AA6E4}">
-                <adec:decorative xmlns:adec="http://schemas.microsoft.com/office/drawing/2017/decorative" val="1"/>
-              </a:ext>
-            </a:extLst>
-          </p:cNvPr>
-          <p:cNvSpPr>
-            <a:spLocks noGrp="1" noRot="1" noChangeAspect="1" noMove="1" noResize="1" noEditPoints="1" noAdjustHandles="1" noChangeArrowheads="1" noChangeShapeType="1" noTextEdit="1"/>
-          </p:cNvSpPr>
-          <p:nvPr>
-            <p:extLst>
-              <p:ext uri="{386F3935-93C4-4BCD-93E2-E3B085C9AB24}">
-                <p16:designElem xmlns:p16="http://schemas.microsoft.com/office/powerpoint/2015/main" val="1"/>
-              </p:ext>
-            </p:extLst>
-          </p:nvPr>
-        </p:nvSpPr>
-        <p:spPr>
-          <a:xfrm>
-            <a:off x="2286" y="0"/>
-            <a:ext cx="9141714" cy="6858000"/>
-          </a:xfrm>
-          <a:prstGeom prst="rect">
-            <a:avLst/>
-          </a:prstGeom>
-          <a:ln>
-            <a:noFill/>
-          </a:ln>
-        </p:spPr>
-        <p:style>
-          <a:lnRef idx="2">
-            <a:schemeClr val="accent1">
-              <a:shade val="50000"/>
-            </a:schemeClr>
-          </a:lnRef>
-          <a:fillRef idx="1">
-            <a:schemeClr val="accent1"/>
-          </a:fillRef>
-          <a:effectRef idx="0">
-            <a:schemeClr val="accent1"/>
-          </a:effectRef>
-          <a:fontRef idx="minor">
-            <a:schemeClr val="lt1"/>
-          </a:fontRef>
-        </p:style>
-        <p:txBody>
-          <a:bodyPr rtlCol="0" anchor="ctr"/>
-          <a:lstStyle/>
-          <a:p>
-            <a:pPr algn="ctr"/>
-            <a:endParaRPr lang="en-US"/>
-          </a:p>
-        </p:txBody>
-      </p:sp>
-      <p:sp>
-        <p:nvSpPr>
-          <p:cNvPr id="10" name="Freeform: Shape 9">
-            <a:extLst>
-              <a:ext uri="{FF2B5EF4-FFF2-40B4-BE49-F238E27FC236}">
-                <a16:creationId xmlns:a16="http://schemas.microsoft.com/office/drawing/2014/main" id="{DAAE4CDD-124C-4DCF-9584-B6033B545DD5}"/>
-              </a:ext>
-              <a:ext uri="{C183D7F6-B498-43B3-948B-1728B52AA6E4}">
-                <adec:decorative xmlns:adec="http://schemas.microsoft.com/office/drawing/2017/decorative" val="1"/>
-              </a:ext>
-            </a:extLst>
-          </p:cNvPr>
-          <p:cNvSpPr>
-            <a:spLocks noGrp="1" noRot="1" noChangeAspect="1" noMove="1" noResize="1" noEditPoints="1" noAdjustHandles="1" noChangeArrowheads="1" noChangeShapeType="1" noTextEdit="1"/>
-          </p:cNvSpPr>
-          <p:nvPr>
-            <p:extLst>
-              <p:ext uri="{386F3935-93C4-4BCD-93E2-E3B085C9AB24}">
-                <p16:designElem xmlns:p16="http://schemas.microsoft.com/office/powerpoint/2015/main" val="1"/>
-              </p:ext>
-            </p:extLst>
-          </p:nvPr>
-        </p:nvSpPr>
-        <p:spPr>
-          <a:xfrm>
-            <a:off x="0" y="0"/>
-            <a:ext cx="3125454" cy="6858000"/>
-          </a:xfrm>
-          <a:custGeom>
-            <a:avLst/>
-            <a:gdLst>
-              <a:gd name="connsiteX0" fmla="*/ 0 w 4167271"/>
-              <a:gd name="connsiteY0" fmla="*/ 0 h 6858000"/>
-              <a:gd name="connsiteX1" fmla="*/ 2259550 w 4167271"/>
-              <a:gd name="connsiteY1" fmla="*/ 0 h 6858000"/>
-              <a:gd name="connsiteX2" fmla="*/ 2387803 w 4167271"/>
-              <a:gd name="connsiteY2" fmla="*/ 82222 h 6858000"/>
-              <a:gd name="connsiteX3" fmla="*/ 4167271 w 4167271"/>
-              <a:gd name="connsiteY3" fmla="*/ 3429000 h 6858000"/>
-              <a:gd name="connsiteX4" fmla="*/ 2387803 w 4167271"/>
-              <a:gd name="connsiteY4" fmla="*/ 6775779 h 6858000"/>
-              <a:gd name="connsiteX5" fmla="*/ 2259550 w 4167271"/>
-              <a:gd name="connsiteY5" fmla="*/ 6858000 h 6858000"/>
-              <a:gd name="connsiteX6" fmla="*/ 0 w 4167271"/>
-              <a:gd name="connsiteY6" fmla="*/ 6858000 h 6858000"/>
-            </a:gdLst>
-            <a:ahLst/>
-            <a:cxnLst>
-              <a:cxn ang="0">
-                <a:pos x="connsiteX0" y="connsiteY0"/>
-              </a:cxn>
-              <a:cxn ang="0">
-                <a:pos x="connsiteX1" y="connsiteY1"/>
-              </a:cxn>
-              <a:cxn ang="0">
-                <a:pos x="connsiteX2" y="connsiteY2"/>
-              </a:cxn>
-              <a:cxn ang="0">
-                <a:pos x="connsiteX3" y="connsiteY3"/>
-              </a:cxn>
-              <a:cxn ang="0">
-                <a:pos x="connsiteX4" y="connsiteY4"/>
-              </a:cxn>
-              <a:cxn ang="0">
-                <a:pos x="connsiteX5" y="connsiteY5"/>
-              </a:cxn>
-              <a:cxn ang="0">
-                <a:pos x="connsiteX6" y="connsiteY6"/>
-              </a:cxn>
-            </a:cxnLst>
-            <a:rect l="l" t="t" r="r" b="b"/>
-            <a:pathLst>
-              <a:path w="4167271" h="6858000">
-                <a:moveTo>
-                  <a:pt x="0" y="0"/>
-                </a:moveTo>
-                <a:lnTo>
-                  <a:pt x="2259550" y="0"/>
-                </a:lnTo>
-                <a:lnTo>
-                  <a:pt x="2387803" y="82222"/>
-                </a:lnTo>
-                <a:cubicBezTo>
-                  <a:pt x="3461407" y="807534"/>
-                  <a:pt x="4167271" y="2035835"/>
-                  <a:pt x="4167271" y="3429000"/>
-                </a:cubicBezTo>
-                <a:cubicBezTo>
-                  <a:pt x="4167271" y="4822165"/>
-                  <a:pt x="3461407" y="6050467"/>
-                  <a:pt x="2387803" y="6775779"/>
-                </a:cubicBezTo>
-                <a:lnTo>
-                  <a:pt x="2259550" y="6858000"/>
-                </a:lnTo>
-                <a:lnTo>
-                  <a:pt x="0" y="6858000"/>
-                </a:lnTo>
-                <a:close/>
-              </a:path>
-            </a:pathLst>
-          </a:custGeom>
-          <a:solidFill>
-            <a:schemeClr val="accent2"/>
-          </a:solidFill>
-          <a:ln>
-            <a:noFill/>
-          </a:ln>
-        </p:spPr>
-        <p:style>
-          <a:lnRef idx="2">
-            <a:schemeClr val="accent1">
-              <a:shade val="50000"/>
-            </a:schemeClr>
-          </a:lnRef>
-          <a:fillRef idx="1">
-            <a:schemeClr val="accent1"/>
-          </a:fillRef>
-          <a:effectRef idx="0">
-            <a:schemeClr val="accent1"/>
-          </a:effectRef>
-          <a:fontRef idx="minor">
-            <a:schemeClr val="lt1"/>
-          </a:fontRef>
-        </p:style>
-        <p:txBody>
-          <a:bodyPr rtlCol="0" anchor="ctr"/>
-          <a:lstStyle/>
-          <a:p>
-            <a:pPr algn="ctr"/>
-            <a:endParaRPr lang="en-US"/>
-          </a:p>
-        </p:txBody>
-      </p:sp>
-      <p:sp>
-        <p:nvSpPr>
-          <p:cNvPr id="2" name="Title 1"/>
-          <p:cNvSpPr>
-            <a:spLocks noGrp="1"/>
-          </p:cNvSpPr>
-          <p:nvPr>
-            <p:ph type="title"/>
-          </p:nvPr>
-        </p:nvSpPr>
-        <p:spPr>
-          <a:xfrm>
-            <a:off x="515125" y="1153572"/>
-            <a:ext cx="2400300" cy="4461163"/>
-          </a:xfrm>
-        </p:spPr>
-        <p:txBody>
-          <a:bodyPr>
-            <a:normAutofit/>
-          </a:bodyPr>
-          <a:lstStyle/>
-          <a:p>
-            <a:r>
-              <a:rPr lang="en-US" sz="3700" b="1" dirty="0">
-                <a:solidFill>
-                  <a:srgbClr val="FFFFFF"/>
-                </a:solidFill>
-              </a:rPr>
-              <a:t>References</a:t>
-            </a:r>
-          </a:p>
-        </p:txBody>
-      </p:sp>
-      <p:sp>
-        <p:nvSpPr>
-          <p:cNvPr id="12" name="Arc 11">
-            <a:extLst>
-              <a:ext uri="{FF2B5EF4-FFF2-40B4-BE49-F238E27FC236}">
-                <a16:creationId xmlns:a16="http://schemas.microsoft.com/office/drawing/2014/main" id="{081E4A58-353D-44AE-B2FC-2A74E2E400F7}"/>
-              </a:ext>
-              <a:ext uri="{C183D7F6-B498-43B3-948B-1728B52AA6E4}">
-                <adec:decorative xmlns:adec="http://schemas.microsoft.com/office/drawing/2017/decorative" val="1"/>
-              </a:ext>
-            </a:extLst>
-          </p:cNvPr>
-          <p:cNvSpPr>
-            <a:spLocks noGrp="1" noRot="1" noChangeAspect="1" noMove="1" noResize="1" noEditPoints="1" noAdjustHandles="1" noChangeArrowheads="1" noChangeShapeType="1" noTextEdit="1"/>
-          </p:cNvSpPr>
-          <p:nvPr>
-            <p:extLst>
-              <p:ext uri="{386F3935-93C4-4BCD-93E2-E3B085C9AB24}">
-                <p16:designElem xmlns:p16="http://schemas.microsoft.com/office/powerpoint/2015/main" val="1"/>
-              </p:ext>
-            </p:extLst>
-          </p:nvPr>
-        </p:nvSpPr>
-        <p:spPr>
-          <a:xfrm flipV="1">
-            <a:off x="5662801" y="2455479"/>
-            <a:ext cx="3062575" cy="4083433"/>
-          </a:xfrm>
-          <a:prstGeom prst="arc">
-            <a:avLst/>
-          </a:prstGeom>
-          <a:ln w="127000" cap="rnd">
-            <a:solidFill>
-              <a:schemeClr val="accent4"/>
-            </a:solidFill>
-            <a:prstDash val="dash"/>
-          </a:ln>
-        </p:spPr>
-        <p:style>
-          <a:lnRef idx="1">
-            <a:schemeClr val="accent1"/>
-          </a:lnRef>
-          <a:fillRef idx="0">
-            <a:schemeClr val="accent1"/>
-          </a:fillRef>
-          <a:effectRef idx="0">
-            <a:schemeClr val="accent1"/>
-          </a:effectRef>
-          <a:fontRef idx="minor">
-            <a:schemeClr val="tx1"/>
-          </a:fontRef>
-        </p:style>
-        <p:txBody>
-          <a:bodyPr rtlCol="0" anchor="ctr"/>
-          <a:lstStyle/>
-          <a:p>
-            <a:pPr algn="ctr"/>
-            <a:endParaRPr lang="en-US" dirty="0"/>
-          </a:p>
-        </p:txBody>
-      </p:sp>
-      <p:sp>
-        <p:nvSpPr>
-          <p:cNvPr id="13" name="Content Placeholder 2"/>
-          <p:cNvSpPr>
-            <a:spLocks noGrp="1"/>
-          </p:cNvSpPr>
-          <p:nvPr>
-            <p:ph idx="1"/>
-          </p:nvPr>
-        </p:nvSpPr>
-        <p:spPr>
-          <a:xfrm>
-            <a:off x="3335481" y="591344"/>
-            <a:ext cx="5179868" cy="5585619"/>
-          </a:xfrm>
-        </p:spPr>
-        <p:txBody>
-          <a:bodyPr anchor="ctr">
-            <a:normAutofit/>
-          </a:bodyPr>
-          <a:lstStyle/>
-          <a:p>
-            <a:r>
-              <a:rPr lang="en-US" sz="2800" dirty="0"/>
-              <a:t>Chawla, N. V., Bowyer, K. W., Hall, L. O., &amp; </a:t>
-            </a:r>
-            <a:r>
-              <a:rPr lang="en-US" sz="2800" dirty="0" err="1"/>
-              <a:t>Kegelmeyer</a:t>
-            </a:r>
-            <a:r>
-              <a:rPr lang="en-US" sz="2800" dirty="0"/>
-              <a:t>, W. P. (2002). SMOTE: Synthetic Minority Over-sampling Technique.</a:t>
-            </a:r>
-          </a:p>
-          <a:p>
-            <a:r>
-              <a:rPr lang="en-US" sz="2800" dirty="0" err="1"/>
-              <a:t>Pedregosa</a:t>
-            </a:r>
-            <a:r>
-              <a:rPr lang="en-US" sz="2800" dirty="0"/>
-              <a:t>, F., </a:t>
-            </a:r>
-            <a:r>
-              <a:rPr lang="en-US" sz="2800" dirty="0" err="1"/>
-              <a:t>Varoquaux</a:t>
-            </a:r>
-            <a:r>
-              <a:rPr lang="en-US" sz="2800" dirty="0"/>
-              <a:t>, G., </a:t>
-            </a:r>
-            <a:r>
-              <a:rPr lang="en-US" sz="2800" dirty="0" err="1"/>
-              <a:t>Gramfort</a:t>
-            </a:r>
-            <a:r>
-              <a:rPr lang="en-US" sz="2800" dirty="0"/>
-              <a:t>, A., et al. (2011). Scikit-learn: Machine Learning in Python.</a:t>
-            </a:r>
-          </a:p>
-          <a:p>
-            <a:endParaRPr dirty="0"/>
-          </a:p>
-        </p:txBody>
-      </p:sp>
-    </p:spTree>
-  </p:cSld>
-  <p:clrMapOvr>
-    <a:masterClrMapping/>
-  </p:clrMapOvr>
-</p:sld>
-</file>
-
 <file path=ppt/slides/slide2.xml><?xml version="1.0" encoding="utf-8"?>
 <p:sld xmlns:a="http://schemas.openxmlformats.org/drawingml/2006/main" xmlns:r="http://schemas.openxmlformats.org/officeDocument/2006/relationships" xmlns:p="http://schemas.openxmlformats.org/presentationml/2006/main">
   <p:cSld>
@@ -10029,6 +10281,792 @@
 </file>
 
 <file path=ppt/slides/slide20.xml><?xml version="1.0" encoding="utf-8"?>
+<p:sld xmlns:a="http://schemas.openxmlformats.org/drawingml/2006/main" xmlns:r="http://schemas.openxmlformats.org/officeDocument/2006/relationships" xmlns:p="http://schemas.openxmlformats.org/presentationml/2006/main">
+  <p:cSld>
+    <p:bg>
+      <p:bgPr>
+        <a:solidFill>
+          <a:schemeClr val="bg1"/>
+        </a:solidFill>
+        <a:effectLst/>
+      </p:bgPr>
+    </p:bg>
+    <p:spTree>
+      <p:nvGrpSpPr>
+        <p:cNvPr id="1" name=""/>
+        <p:cNvGrpSpPr/>
+        <p:nvPr/>
+      </p:nvGrpSpPr>
+      <p:grpSpPr>
+        <a:xfrm>
+          <a:off x="0" y="0"/>
+          <a:ext cx="0" cy="0"/>
+          <a:chOff x="0" y="0"/>
+          <a:chExt cx="0" cy="0"/>
+        </a:xfrm>
+      </p:grpSpPr>
+      <p:sp useBgFill="1">
+        <p:nvSpPr>
+          <p:cNvPr id="29" name="Rectangle 28">
+            <a:extLst>
+              <a:ext uri="{FF2B5EF4-FFF2-40B4-BE49-F238E27FC236}">
+                <a16:creationId xmlns:a16="http://schemas.microsoft.com/office/drawing/2014/main" id="{907EF6B7-1338-4443-8C46-6A318D952DFD}"/>
+              </a:ext>
+              <a:ext uri="{C183D7F6-B498-43B3-948B-1728B52AA6E4}">
+                <adec:decorative xmlns:adec="http://schemas.microsoft.com/office/drawing/2017/decorative" val="1"/>
+              </a:ext>
+            </a:extLst>
+          </p:cNvPr>
+          <p:cNvSpPr>
+            <a:spLocks noGrp="1" noRot="1" noChangeAspect="1" noMove="1" noResize="1" noEditPoints="1" noAdjustHandles="1" noChangeArrowheads="1" noChangeShapeType="1" noTextEdit="1"/>
+          </p:cNvSpPr>
+          <p:nvPr>
+            <p:extLst>
+              <p:ext uri="{386F3935-93C4-4BCD-93E2-E3B085C9AB24}">
+                <p16:designElem xmlns:p16="http://schemas.microsoft.com/office/powerpoint/2015/main" val="1"/>
+              </p:ext>
+            </p:extLst>
+          </p:nvPr>
+        </p:nvSpPr>
+        <p:spPr>
+          <a:xfrm>
+            <a:off x="2286" y="0"/>
+            <a:ext cx="9141714" cy="6858000"/>
+          </a:xfrm>
+          <a:prstGeom prst="rect">
+            <a:avLst/>
+          </a:prstGeom>
+          <a:ln>
+            <a:noFill/>
+          </a:ln>
+        </p:spPr>
+        <p:style>
+          <a:lnRef idx="2">
+            <a:schemeClr val="accent1">
+              <a:shade val="50000"/>
+            </a:schemeClr>
+          </a:lnRef>
+          <a:fillRef idx="1">
+            <a:schemeClr val="accent1"/>
+          </a:fillRef>
+          <a:effectRef idx="0">
+            <a:schemeClr val="accent1"/>
+          </a:effectRef>
+          <a:fontRef idx="minor">
+            <a:schemeClr val="lt1"/>
+          </a:fontRef>
+        </p:style>
+        <p:txBody>
+          <a:bodyPr rtlCol="0" anchor="ctr"/>
+          <a:lstStyle/>
+          <a:p>
+            <a:pPr algn="ctr"/>
+            <a:endParaRPr lang="en-US"/>
+          </a:p>
+        </p:txBody>
+      </p:sp>
+      <p:sp>
+        <p:nvSpPr>
+          <p:cNvPr id="31" name="Freeform: Shape 30">
+            <a:extLst>
+              <a:ext uri="{FF2B5EF4-FFF2-40B4-BE49-F238E27FC236}">
+                <a16:creationId xmlns:a16="http://schemas.microsoft.com/office/drawing/2014/main" id="{DAAE4CDD-124C-4DCF-9584-B6033B545DD5}"/>
+              </a:ext>
+              <a:ext uri="{C183D7F6-B498-43B3-948B-1728B52AA6E4}">
+                <adec:decorative xmlns:adec="http://schemas.microsoft.com/office/drawing/2017/decorative" val="1"/>
+              </a:ext>
+            </a:extLst>
+          </p:cNvPr>
+          <p:cNvSpPr>
+            <a:spLocks noGrp="1" noRot="1" noChangeAspect="1" noMove="1" noResize="1" noEditPoints="1" noAdjustHandles="1" noChangeArrowheads="1" noChangeShapeType="1" noTextEdit="1"/>
+          </p:cNvSpPr>
+          <p:nvPr>
+            <p:extLst>
+              <p:ext uri="{386F3935-93C4-4BCD-93E2-E3B085C9AB24}">
+                <p16:designElem xmlns:p16="http://schemas.microsoft.com/office/powerpoint/2015/main" val="1"/>
+              </p:ext>
+            </p:extLst>
+          </p:nvPr>
+        </p:nvSpPr>
+        <p:spPr>
+          <a:xfrm>
+            <a:off x="0" y="0"/>
+            <a:ext cx="3125454" cy="6858000"/>
+          </a:xfrm>
+          <a:custGeom>
+            <a:avLst/>
+            <a:gdLst>
+              <a:gd name="connsiteX0" fmla="*/ 0 w 4167271"/>
+              <a:gd name="connsiteY0" fmla="*/ 0 h 6858000"/>
+              <a:gd name="connsiteX1" fmla="*/ 2259550 w 4167271"/>
+              <a:gd name="connsiteY1" fmla="*/ 0 h 6858000"/>
+              <a:gd name="connsiteX2" fmla="*/ 2387803 w 4167271"/>
+              <a:gd name="connsiteY2" fmla="*/ 82222 h 6858000"/>
+              <a:gd name="connsiteX3" fmla="*/ 4167271 w 4167271"/>
+              <a:gd name="connsiteY3" fmla="*/ 3429000 h 6858000"/>
+              <a:gd name="connsiteX4" fmla="*/ 2387803 w 4167271"/>
+              <a:gd name="connsiteY4" fmla="*/ 6775779 h 6858000"/>
+              <a:gd name="connsiteX5" fmla="*/ 2259550 w 4167271"/>
+              <a:gd name="connsiteY5" fmla="*/ 6858000 h 6858000"/>
+              <a:gd name="connsiteX6" fmla="*/ 0 w 4167271"/>
+              <a:gd name="connsiteY6" fmla="*/ 6858000 h 6858000"/>
+            </a:gdLst>
+            <a:ahLst/>
+            <a:cxnLst>
+              <a:cxn ang="0">
+                <a:pos x="connsiteX0" y="connsiteY0"/>
+              </a:cxn>
+              <a:cxn ang="0">
+                <a:pos x="connsiteX1" y="connsiteY1"/>
+              </a:cxn>
+              <a:cxn ang="0">
+                <a:pos x="connsiteX2" y="connsiteY2"/>
+              </a:cxn>
+              <a:cxn ang="0">
+                <a:pos x="connsiteX3" y="connsiteY3"/>
+              </a:cxn>
+              <a:cxn ang="0">
+                <a:pos x="connsiteX4" y="connsiteY4"/>
+              </a:cxn>
+              <a:cxn ang="0">
+                <a:pos x="connsiteX5" y="connsiteY5"/>
+              </a:cxn>
+              <a:cxn ang="0">
+                <a:pos x="connsiteX6" y="connsiteY6"/>
+              </a:cxn>
+            </a:cxnLst>
+            <a:rect l="l" t="t" r="r" b="b"/>
+            <a:pathLst>
+              <a:path w="4167271" h="6858000">
+                <a:moveTo>
+                  <a:pt x="0" y="0"/>
+                </a:moveTo>
+                <a:lnTo>
+                  <a:pt x="2259550" y="0"/>
+                </a:lnTo>
+                <a:lnTo>
+                  <a:pt x="2387803" y="82222"/>
+                </a:lnTo>
+                <a:cubicBezTo>
+                  <a:pt x="3461407" y="807534"/>
+                  <a:pt x="4167271" y="2035835"/>
+                  <a:pt x="4167271" y="3429000"/>
+                </a:cubicBezTo>
+                <a:cubicBezTo>
+                  <a:pt x="4167271" y="4822165"/>
+                  <a:pt x="3461407" y="6050467"/>
+                  <a:pt x="2387803" y="6775779"/>
+                </a:cubicBezTo>
+                <a:lnTo>
+                  <a:pt x="2259550" y="6858000"/>
+                </a:lnTo>
+                <a:lnTo>
+                  <a:pt x="0" y="6858000"/>
+                </a:lnTo>
+                <a:close/>
+              </a:path>
+            </a:pathLst>
+          </a:custGeom>
+          <a:solidFill>
+            <a:schemeClr val="accent2"/>
+          </a:solidFill>
+          <a:ln>
+            <a:noFill/>
+          </a:ln>
+        </p:spPr>
+        <p:style>
+          <a:lnRef idx="2">
+            <a:schemeClr val="accent1">
+              <a:shade val="50000"/>
+            </a:schemeClr>
+          </a:lnRef>
+          <a:fillRef idx="1">
+            <a:schemeClr val="accent1"/>
+          </a:fillRef>
+          <a:effectRef idx="0">
+            <a:schemeClr val="accent1"/>
+          </a:effectRef>
+          <a:fontRef idx="minor">
+            <a:schemeClr val="lt1"/>
+          </a:fontRef>
+        </p:style>
+        <p:txBody>
+          <a:bodyPr rtlCol="0" anchor="ctr"/>
+          <a:lstStyle/>
+          <a:p>
+            <a:pPr algn="ctr"/>
+            <a:endParaRPr lang="en-US"/>
+          </a:p>
+        </p:txBody>
+      </p:sp>
+      <p:sp>
+        <p:nvSpPr>
+          <p:cNvPr id="2" name="Title 1"/>
+          <p:cNvSpPr>
+            <a:spLocks noGrp="1"/>
+          </p:cNvSpPr>
+          <p:nvPr>
+            <p:ph type="title"/>
+          </p:nvPr>
+        </p:nvSpPr>
+        <p:spPr>
+          <a:xfrm>
+            <a:off x="70281" y="1198418"/>
+            <a:ext cx="2716168" cy="4461163"/>
+          </a:xfrm>
+        </p:spPr>
+        <p:txBody>
+          <a:bodyPr>
+            <a:normAutofit/>
+          </a:bodyPr>
+          <a:lstStyle/>
+          <a:p>
+            <a:r>
+              <a:rPr lang="en-US" sz="3600" b="1" dirty="0">
+                <a:solidFill>
+                  <a:srgbClr val="FFFFFF"/>
+                </a:solidFill>
+              </a:rPr>
+              <a:t>DEMO</a:t>
+            </a:r>
+          </a:p>
+        </p:txBody>
+      </p:sp>
+      <p:sp>
+        <p:nvSpPr>
+          <p:cNvPr id="33" name="Arc 32">
+            <a:extLst>
+              <a:ext uri="{FF2B5EF4-FFF2-40B4-BE49-F238E27FC236}">
+                <a16:creationId xmlns:a16="http://schemas.microsoft.com/office/drawing/2014/main" id="{081E4A58-353D-44AE-B2FC-2A74E2E400F7}"/>
+              </a:ext>
+              <a:ext uri="{C183D7F6-B498-43B3-948B-1728B52AA6E4}">
+                <adec:decorative xmlns:adec="http://schemas.microsoft.com/office/drawing/2017/decorative" val="1"/>
+              </a:ext>
+            </a:extLst>
+          </p:cNvPr>
+          <p:cNvSpPr>
+            <a:spLocks noGrp="1" noRot="1" noChangeAspect="1" noMove="1" noResize="1" noEditPoints="1" noAdjustHandles="1" noChangeArrowheads="1" noChangeShapeType="1" noTextEdit="1"/>
+          </p:cNvSpPr>
+          <p:nvPr>
+            <p:extLst>
+              <p:ext uri="{386F3935-93C4-4BCD-93E2-E3B085C9AB24}">
+                <p16:designElem xmlns:p16="http://schemas.microsoft.com/office/powerpoint/2015/main" val="1"/>
+              </p:ext>
+            </p:extLst>
+          </p:nvPr>
+        </p:nvSpPr>
+        <p:spPr>
+          <a:xfrm flipV="1">
+            <a:off x="5662801" y="2455479"/>
+            <a:ext cx="3062575" cy="4083433"/>
+          </a:xfrm>
+          <a:prstGeom prst="arc">
+            <a:avLst/>
+          </a:prstGeom>
+          <a:ln w="127000" cap="rnd">
+            <a:solidFill>
+              <a:schemeClr val="accent4"/>
+            </a:solidFill>
+            <a:prstDash val="dash"/>
+          </a:ln>
+        </p:spPr>
+        <p:style>
+          <a:lnRef idx="1">
+            <a:schemeClr val="accent1"/>
+          </a:lnRef>
+          <a:fillRef idx="0">
+            <a:schemeClr val="accent1"/>
+          </a:fillRef>
+          <a:effectRef idx="0">
+            <a:schemeClr val="accent1"/>
+          </a:effectRef>
+          <a:fontRef idx="minor">
+            <a:schemeClr val="tx1"/>
+          </a:fontRef>
+        </p:style>
+        <p:txBody>
+          <a:bodyPr rtlCol="0" anchor="ctr"/>
+          <a:lstStyle/>
+          <a:p>
+            <a:pPr algn="ctr"/>
+            <a:endParaRPr lang="en-US" dirty="0"/>
+          </a:p>
+        </p:txBody>
+      </p:sp>
+      <p:pic>
+        <p:nvPicPr>
+          <p:cNvPr id="8" name="Content Placeholder 7" descr="A screenshot of a spam&#10;&#10;Description automatically generated">
+            <a:extLst>
+              <a:ext uri="{FF2B5EF4-FFF2-40B4-BE49-F238E27FC236}">
+                <a16:creationId xmlns:a16="http://schemas.microsoft.com/office/drawing/2014/main" id="{675DF17F-71D5-0BD0-B12A-B2915F61B563}"/>
+              </a:ext>
+            </a:extLst>
+          </p:cNvPr>
+          <p:cNvPicPr>
+            <a:picLocks noGrp="1" noChangeAspect="1"/>
+          </p:cNvPicPr>
+          <p:nvPr>
+            <p:ph idx="1"/>
+          </p:nvPr>
+        </p:nvPicPr>
+        <p:blipFill>
+          <a:blip r:embed="rId2"/>
+          <a:stretch>
+            <a:fillRect/>
+          </a:stretch>
+        </p:blipFill>
+        <p:spPr>
+          <a:xfrm>
+            <a:off x="2615760" y="1291503"/>
+            <a:ext cx="5818810" cy="3977726"/>
+          </a:xfrm>
+        </p:spPr>
+      </p:pic>
+      <p:sp>
+        <p:nvSpPr>
+          <p:cNvPr id="9" name="TextBox 8">
+            <a:extLst>
+              <a:ext uri="{FF2B5EF4-FFF2-40B4-BE49-F238E27FC236}">
+                <a16:creationId xmlns:a16="http://schemas.microsoft.com/office/drawing/2014/main" id="{D4B27D9F-CB29-E32B-001E-E84164C93930}"/>
+              </a:ext>
+            </a:extLst>
+          </p:cNvPr>
+          <p:cNvSpPr txBox="1"/>
+          <p:nvPr/>
+        </p:nvSpPr>
+        <p:spPr>
+          <a:xfrm>
+            <a:off x="5900333" y="5290249"/>
+            <a:ext cx="2485360" cy="369332"/>
+          </a:xfrm>
+          <a:prstGeom prst="rect">
+            <a:avLst/>
+          </a:prstGeom>
+          <a:noFill/>
+        </p:spPr>
+        <p:txBody>
+          <a:bodyPr wrap="none" rtlCol="0">
+            <a:spAutoFit/>
+          </a:bodyPr>
+          <a:lstStyle/>
+          <a:p>
+            <a:r>
+              <a:rPr lang="en-CA" b="1" dirty="0">
+                <a:hlinkClick r:id="rId3">
+                  <a:extLst>
+                    <a:ext uri="{A12FA001-AC4F-418D-AE19-62706E023703}">
+                      <ahyp:hlinkClr xmlns:ahyp="http://schemas.microsoft.com/office/drawing/2018/hyperlinkcolor" val="tx"/>
+                    </a:ext>
+                  </a:extLst>
+                </a:hlinkClick>
+              </a:rPr>
+              <a:t>http://detectsms.online</a:t>
+            </a:r>
+            <a:endParaRPr lang="en-CA" b="1" dirty="0"/>
+          </a:p>
+        </p:txBody>
+      </p:sp>
+    </p:spTree>
+    <p:extLst>
+      <p:ext uri="{BB962C8B-B14F-4D97-AF65-F5344CB8AC3E}">
+        <p14:creationId xmlns:p14="http://schemas.microsoft.com/office/powerpoint/2010/main" val="3227734902"/>
+      </p:ext>
+    </p:extLst>
+  </p:cSld>
+  <p:clrMapOvr>
+    <a:masterClrMapping/>
+  </p:clrMapOvr>
+</p:sld>
+</file>
+
+<file path=ppt/slides/slide21.xml><?xml version="1.0" encoding="utf-8"?>
+<p:sld xmlns:a="http://schemas.openxmlformats.org/drawingml/2006/main" xmlns:r="http://schemas.openxmlformats.org/officeDocument/2006/relationships" xmlns:p="http://schemas.openxmlformats.org/presentationml/2006/main">
+  <p:cSld>
+    <p:bg>
+      <p:bgPr>
+        <a:solidFill>
+          <a:schemeClr val="bg1"/>
+        </a:solidFill>
+        <a:effectLst/>
+      </p:bgPr>
+    </p:bg>
+    <p:spTree>
+      <p:nvGrpSpPr>
+        <p:cNvPr id="1" name=""/>
+        <p:cNvGrpSpPr/>
+        <p:nvPr/>
+      </p:nvGrpSpPr>
+      <p:grpSpPr>
+        <a:xfrm>
+          <a:off x="0" y="0"/>
+          <a:ext cx="0" cy="0"/>
+          <a:chOff x="0" y="0"/>
+          <a:chExt cx="0" cy="0"/>
+        </a:xfrm>
+      </p:grpSpPr>
+      <p:sp useBgFill="1">
+        <p:nvSpPr>
+          <p:cNvPr id="8" name="Rectangle 7">
+            <a:extLst>
+              <a:ext uri="{FF2B5EF4-FFF2-40B4-BE49-F238E27FC236}">
+                <a16:creationId xmlns:a16="http://schemas.microsoft.com/office/drawing/2014/main" id="{907EF6B7-1338-4443-8C46-6A318D952DFD}"/>
+              </a:ext>
+              <a:ext uri="{C183D7F6-B498-43B3-948B-1728B52AA6E4}">
+                <adec:decorative xmlns:adec="http://schemas.microsoft.com/office/drawing/2017/decorative" val="1"/>
+              </a:ext>
+            </a:extLst>
+          </p:cNvPr>
+          <p:cNvSpPr>
+            <a:spLocks noGrp="1" noRot="1" noChangeAspect="1" noMove="1" noResize="1" noEditPoints="1" noAdjustHandles="1" noChangeArrowheads="1" noChangeShapeType="1" noTextEdit="1"/>
+          </p:cNvSpPr>
+          <p:nvPr>
+            <p:extLst>
+              <p:ext uri="{386F3935-93C4-4BCD-93E2-E3B085C9AB24}">
+                <p16:designElem xmlns:p16="http://schemas.microsoft.com/office/powerpoint/2015/main" val="1"/>
+              </p:ext>
+            </p:extLst>
+          </p:nvPr>
+        </p:nvSpPr>
+        <p:spPr>
+          <a:xfrm>
+            <a:off x="2286" y="0"/>
+            <a:ext cx="9141714" cy="6858000"/>
+          </a:xfrm>
+          <a:prstGeom prst="rect">
+            <a:avLst/>
+          </a:prstGeom>
+          <a:ln>
+            <a:noFill/>
+          </a:ln>
+        </p:spPr>
+        <p:style>
+          <a:lnRef idx="2">
+            <a:schemeClr val="accent1">
+              <a:shade val="50000"/>
+            </a:schemeClr>
+          </a:lnRef>
+          <a:fillRef idx="1">
+            <a:schemeClr val="accent1"/>
+          </a:fillRef>
+          <a:effectRef idx="0">
+            <a:schemeClr val="accent1"/>
+          </a:effectRef>
+          <a:fontRef idx="minor">
+            <a:schemeClr val="lt1"/>
+          </a:fontRef>
+        </p:style>
+        <p:txBody>
+          <a:bodyPr rtlCol="0" anchor="ctr"/>
+          <a:lstStyle/>
+          <a:p>
+            <a:pPr algn="ctr"/>
+            <a:endParaRPr lang="en-US"/>
+          </a:p>
+        </p:txBody>
+      </p:sp>
+      <p:sp>
+        <p:nvSpPr>
+          <p:cNvPr id="10" name="Freeform: Shape 9">
+            <a:extLst>
+              <a:ext uri="{FF2B5EF4-FFF2-40B4-BE49-F238E27FC236}">
+                <a16:creationId xmlns:a16="http://schemas.microsoft.com/office/drawing/2014/main" id="{DAAE4CDD-124C-4DCF-9584-B6033B545DD5}"/>
+              </a:ext>
+              <a:ext uri="{C183D7F6-B498-43B3-948B-1728B52AA6E4}">
+                <adec:decorative xmlns:adec="http://schemas.microsoft.com/office/drawing/2017/decorative" val="1"/>
+              </a:ext>
+            </a:extLst>
+          </p:cNvPr>
+          <p:cNvSpPr>
+            <a:spLocks noGrp="1" noRot="1" noChangeAspect="1" noMove="1" noResize="1" noEditPoints="1" noAdjustHandles="1" noChangeArrowheads="1" noChangeShapeType="1" noTextEdit="1"/>
+          </p:cNvSpPr>
+          <p:nvPr>
+            <p:extLst>
+              <p:ext uri="{386F3935-93C4-4BCD-93E2-E3B085C9AB24}">
+                <p16:designElem xmlns:p16="http://schemas.microsoft.com/office/powerpoint/2015/main" val="1"/>
+              </p:ext>
+            </p:extLst>
+          </p:nvPr>
+        </p:nvSpPr>
+        <p:spPr>
+          <a:xfrm>
+            <a:off x="0" y="0"/>
+            <a:ext cx="3125454" cy="6858000"/>
+          </a:xfrm>
+          <a:custGeom>
+            <a:avLst/>
+            <a:gdLst>
+              <a:gd name="connsiteX0" fmla="*/ 0 w 4167271"/>
+              <a:gd name="connsiteY0" fmla="*/ 0 h 6858000"/>
+              <a:gd name="connsiteX1" fmla="*/ 2259550 w 4167271"/>
+              <a:gd name="connsiteY1" fmla="*/ 0 h 6858000"/>
+              <a:gd name="connsiteX2" fmla="*/ 2387803 w 4167271"/>
+              <a:gd name="connsiteY2" fmla="*/ 82222 h 6858000"/>
+              <a:gd name="connsiteX3" fmla="*/ 4167271 w 4167271"/>
+              <a:gd name="connsiteY3" fmla="*/ 3429000 h 6858000"/>
+              <a:gd name="connsiteX4" fmla="*/ 2387803 w 4167271"/>
+              <a:gd name="connsiteY4" fmla="*/ 6775779 h 6858000"/>
+              <a:gd name="connsiteX5" fmla="*/ 2259550 w 4167271"/>
+              <a:gd name="connsiteY5" fmla="*/ 6858000 h 6858000"/>
+              <a:gd name="connsiteX6" fmla="*/ 0 w 4167271"/>
+              <a:gd name="connsiteY6" fmla="*/ 6858000 h 6858000"/>
+            </a:gdLst>
+            <a:ahLst/>
+            <a:cxnLst>
+              <a:cxn ang="0">
+                <a:pos x="connsiteX0" y="connsiteY0"/>
+              </a:cxn>
+              <a:cxn ang="0">
+                <a:pos x="connsiteX1" y="connsiteY1"/>
+              </a:cxn>
+              <a:cxn ang="0">
+                <a:pos x="connsiteX2" y="connsiteY2"/>
+              </a:cxn>
+              <a:cxn ang="0">
+                <a:pos x="connsiteX3" y="connsiteY3"/>
+              </a:cxn>
+              <a:cxn ang="0">
+                <a:pos x="connsiteX4" y="connsiteY4"/>
+              </a:cxn>
+              <a:cxn ang="0">
+                <a:pos x="connsiteX5" y="connsiteY5"/>
+              </a:cxn>
+              <a:cxn ang="0">
+                <a:pos x="connsiteX6" y="connsiteY6"/>
+              </a:cxn>
+            </a:cxnLst>
+            <a:rect l="l" t="t" r="r" b="b"/>
+            <a:pathLst>
+              <a:path w="4167271" h="6858000">
+                <a:moveTo>
+                  <a:pt x="0" y="0"/>
+                </a:moveTo>
+                <a:lnTo>
+                  <a:pt x="2259550" y="0"/>
+                </a:lnTo>
+                <a:lnTo>
+                  <a:pt x="2387803" y="82222"/>
+                </a:lnTo>
+                <a:cubicBezTo>
+                  <a:pt x="3461407" y="807534"/>
+                  <a:pt x="4167271" y="2035835"/>
+                  <a:pt x="4167271" y="3429000"/>
+                </a:cubicBezTo>
+                <a:cubicBezTo>
+                  <a:pt x="4167271" y="4822165"/>
+                  <a:pt x="3461407" y="6050467"/>
+                  <a:pt x="2387803" y="6775779"/>
+                </a:cubicBezTo>
+                <a:lnTo>
+                  <a:pt x="2259550" y="6858000"/>
+                </a:lnTo>
+                <a:lnTo>
+                  <a:pt x="0" y="6858000"/>
+                </a:lnTo>
+                <a:close/>
+              </a:path>
+            </a:pathLst>
+          </a:custGeom>
+          <a:solidFill>
+            <a:schemeClr val="accent2"/>
+          </a:solidFill>
+          <a:ln>
+            <a:noFill/>
+          </a:ln>
+        </p:spPr>
+        <p:style>
+          <a:lnRef idx="2">
+            <a:schemeClr val="accent1">
+              <a:shade val="50000"/>
+            </a:schemeClr>
+          </a:lnRef>
+          <a:fillRef idx="1">
+            <a:schemeClr val="accent1"/>
+          </a:fillRef>
+          <a:effectRef idx="0">
+            <a:schemeClr val="accent1"/>
+          </a:effectRef>
+          <a:fontRef idx="minor">
+            <a:schemeClr val="lt1"/>
+          </a:fontRef>
+        </p:style>
+        <p:txBody>
+          <a:bodyPr rtlCol="0" anchor="ctr"/>
+          <a:lstStyle/>
+          <a:p>
+            <a:pPr algn="ctr"/>
+            <a:endParaRPr lang="en-US"/>
+          </a:p>
+        </p:txBody>
+      </p:sp>
+      <p:sp>
+        <p:nvSpPr>
+          <p:cNvPr id="2" name="Title 1"/>
+          <p:cNvSpPr>
+            <a:spLocks noGrp="1"/>
+          </p:cNvSpPr>
+          <p:nvPr>
+            <p:ph type="title"/>
+          </p:nvPr>
+        </p:nvSpPr>
+        <p:spPr>
+          <a:xfrm>
+            <a:off x="515125" y="1153572"/>
+            <a:ext cx="2400300" cy="4461163"/>
+          </a:xfrm>
+        </p:spPr>
+        <p:txBody>
+          <a:bodyPr>
+            <a:normAutofit/>
+          </a:bodyPr>
+          <a:lstStyle/>
+          <a:p>
+            <a:r>
+              <a:rPr lang="en-US" sz="3700" b="1" dirty="0">
+                <a:solidFill>
+                  <a:srgbClr val="FFFFFF"/>
+                </a:solidFill>
+              </a:rPr>
+              <a:t>References</a:t>
+            </a:r>
+          </a:p>
+        </p:txBody>
+      </p:sp>
+      <p:sp>
+        <p:nvSpPr>
+          <p:cNvPr id="12" name="Arc 11">
+            <a:extLst>
+              <a:ext uri="{FF2B5EF4-FFF2-40B4-BE49-F238E27FC236}">
+                <a16:creationId xmlns:a16="http://schemas.microsoft.com/office/drawing/2014/main" id="{081E4A58-353D-44AE-B2FC-2A74E2E400F7}"/>
+              </a:ext>
+              <a:ext uri="{C183D7F6-B498-43B3-948B-1728B52AA6E4}">
+                <adec:decorative xmlns:adec="http://schemas.microsoft.com/office/drawing/2017/decorative" val="1"/>
+              </a:ext>
+            </a:extLst>
+          </p:cNvPr>
+          <p:cNvSpPr>
+            <a:spLocks noGrp="1" noRot="1" noChangeAspect="1" noMove="1" noResize="1" noEditPoints="1" noAdjustHandles="1" noChangeArrowheads="1" noChangeShapeType="1" noTextEdit="1"/>
+          </p:cNvSpPr>
+          <p:nvPr>
+            <p:extLst>
+              <p:ext uri="{386F3935-93C4-4BCD-93E2-E3B085C9AB24}">
+                <p16:designElem xmlns:p16="http://schemas.microsoft.com/office/powerpoint/2015/main" val="1"/>
+              </p:ext>
+            </p:extLst>
+          </p:nvPr>
+        </p:nvSpPr>
+        <p:spPr>
+          <a:xfrm flipV="1">
+            <a:off x="5662801" y="2455479"/>
+            <a:ext cx="3062575" cy="4083433"/>
+          </a:xfrm>
+          <a:prstGeom prst="arc">
+            <a:avLst/>
+          </a:prstGeom>
+          <a:ln w="127000" cap="rnd">
+            <a:solidFill>
+              <a:schemeClr val="accent4"/>
+            </a:solidFill>
+            <a:prstDash val="dash"/>
+          </a:ln>
+        </p:spPr>
+        <p:style>
+          <a:lnRef idx="1">
+            <a:schemeClr val="accent1"/>
+          </a:lnRef>
+          <a:fillRef idx="0">
+            <a:schemeClr val="accent1"/>
+          </a:fillRef>
+          <a:effectRef idx="0">
+            <a:schemeClr val="accent1"/>
+          </a:effectRef>
+          <a:fontRef idx="minor">
+            <a:schemeClr val="tx1"/>
+          </a:fontRef>
+        </p:style>
+        <p:txBody>
+          <a:bodyPr rtlCol="0" anchor="ctr"/>
+          <a:lstStyle/>
+          <a:p>
+            <a:pPr algn="ctr"/>
+            <a:endParaRPr lang="en-US" dirty="0"/>
+          </a:p>
+        </p:txBody>
+      </p:sp>
+      <p:sp>
+        <p:nvSpPr>
+          <p:cNvPr id="13" name="Content Placeholder 2"/>
+          <p:cNvSpPr>
+            <a:spLocks noGrp="1"/>
+          </p:cNvSpPr>
+          <p:nvPr>
+            <p:ph idx="1"/>
+          </p:nvPr>
+        </p:nvSpPr>
+        <p:spPr>
+          <a:xfrm>
+            <a:off x="3335481" y="591344"/>
+            <a:ext cx="5179868" cy="5585619"/>
+          </a:xfrm>
+        </p:spPr>
+        <p:txBody>
+          <a:bodyPr anchor="ctr">
+            <a:normAutofit/>
+          </a:bodyPr>
+          <a:lstStyle/>
+          <a:p>
+            <a:r>
+              <a:rPr lang="en-US" sz="2800" dirty="0"/>
+              <a:t>Chawla, N. V., Bowyer, K. W., Hall, L. O., &amp; </a:t>
+            </a:r>
+            <a:r>
+              <a:rPr lang="en-US" sz="2800" dirty="0" err="1"/>
+              <a:t>Kegelmeyer</a:t>
+            </a:r>
+            <a:r>
+              <a:rPr lang="en-US" sz="2800" dirty="0"/>
+              <a:t>, W. P. (2002). SMOTE: Synthetic Minority Over-sampling Technique.</a:t>
+            </a:r>
+          </a:p>
+          <a:p>
+            <a:r>
+              <a:rPr lang="en-US" sz="2800" dirty="0" err="1"/>
+              <a:t>Pedregosa</a:t>
+            </a:r>
+            <a:r>
+              <a:rPr lang="en-US" sz="2800" dirty="0"/>
+              <a:t>, F., </a:t>
+            </a:r>
+            <a:r>
+              <a:rPr lang="en-US" sz="2800" dirty="0" err="1"/>
+              <a:t>Varoquaux</a:t>
+            </a:r>
+            <a:r>
+              <a:rPr lang="en-US" sz="2800" dirty="0"/>
+              <a:t>, G., </a:t>
+            </a:r>
+            <a:r>
+              <a:rPr lang="en-US" sz="2800" dirty="0" err="1"/>
+              <a:t>Gramfort</a:t>
+            </a:r>
+            <a:r>
+              <a:rPr lang="en-US" sz="2800" dirty="0"/>
+              <a:t>, A., et al. (2011). Scikit-learn: Machine Learning in Python.</a:t>
+            </a:r>
+          </a:p>
+          <a:p>
+            <a:endParaRPr dirty="0"/>
+          </a:p>
+        </p:txBody>
+      </p:sp>
+    </p:spTree>
+  </p:cSld>
+  <p:clrMapOvr>
+    <a:masterClrMapping/>
+  </p:clrMapOvr>
+</p:sld>
+</file>
+
+<file path=ppt/slides/slide22.xml><?xml version="1.0" encoding="utf-8"?>
 <p:sld xmlns:a="http://schemas.openxmlformats.org/drawingml/2006/main" xmlns:r="http://schemas.openxmlformats.org/officeDocument/2006/relationships" xmlns:p="http://schemas.openxmlformats.org/presentationml/2006/main">
   <p:cSld>
     <p:bg>
@@ -14421,4 +15459,319 @@
   </a:objectDefaults>
   <a:extraClrSchemeLst/>
 </a:theme>
+</file>
+
+<file path=ppt/theme/theme2.xml><?xml version="1.0" encoding="utf-8"?>
+<a:theme xmlns:a="http://schemas.openxmlformats.org/drawingml/2006/main" name="Office Theme">
+  <a:themeElements>
+    <a:clrScheme name="Office">
+      <a:dk1>
+        <a:sysClr val="windowText" lastClr="000000"/>
+      </a:dk1>
+      <a:lt1>
+        <a:sysClr val="window" lastClr="FFFFFF"/>
+      </a:lt1>
+      <a:dk2>
+        <a:srgbClr val="0E2841"/>
+      </a:dk2>
+      <a:lt2>
+        <a:srgbClr val="E8E8E8"/>
+      </a:lt2>
+      <a:accent1>
+        <a:srgbClr val="156082"/>
+      </a:accent1>
+      <a:accent2>
+        <a:srgbClr val="E97132"/>
+      </a:accent2>
+      <a:accent3>
+        <a:srgbClr val="196B24"/>
+      </a:accent3>
+      <a:accent4>
+        <a:srgbClr val="0F9ED5"/>
+      </a:accent4>
+      <a:accent5>
+        <a:srgbClr val="A02B93"/>
+      </a:accent5>
+      <a:accent6>
+        <a:srgbClr val="4EA72E"/>
+      </a:accent6>
+      <a:hlink>
+        <a:srgbClr val="467886"/>
+      </a:hlink>
+      <a:folHlink>
+        <a:srgbClr val="96607D"/>
+      </a:folHlink>
+    </a:clrScheme>
+    <a:fontScheme name="Office">
+      <a:majorFont>
+        <a:latin typeface="Aptos Display" panose="02110004020202020204"/>
+        <a:ea typeface=""/>
+        <a:cs typeface=""/>
+        <a:font script="Jpan" typeface="游ゴシック Light"/>
+        <a:font script="Hang" typeface="맑은 고딕"/>
+        <a:font script="Hans" typeface="等线 Light"/>
+        <a:font script="Hant" typeface="新細明體"/>
+        <a:font script="Arab" typeface="Times New Roman"/>
+        <a:font script="Hebr" typeface="Times New Roman"/>
+        <a:font script="Thai" typeface="Angsana New"/>
+        <a:font script="Ethi" typeface="Nyala"/>
+        <a:font script="Beng" typeface="Vrinda"/>
+        <a:font script="Gujr" typeface="Shruti"/>
+        <a:font script="Khmr" typeface="MoolBoran"/>
+        <a:font script="Knda" typeface="Tunga"/>
+        <a:font script="Guru" typeface="Raavi"/>
+        <a:font script="Cans" typeface="Euphemia"/>
+        <a:font script="Cher" typeface="Plantagenet Cherokee"/>
+        <a:font script="Yiii" typeface="Microsoft Yi Baiti"/>
+        <a:font script="Tibt" typeface="Microsoft Himalaya"/>
+        <a:font script="Thaa" typeface="MV Boli"/>
+        <a:font script="Deva" typeface="Mangal"/>
+        <a:font script="Telu" typeface="Gautami"/>
+        <a:font script="Taml" typeface="Latha"/>
+        <a:font script="Syrc" typeface="Estrangelo Edessa"/>
+        <a:font script="Orya" typeface="Kalinga"/>
+        <a:font script="Mlym" typeface="Kartika"/>
+        <a:font script="Laoo" typeface="DokChampa"/>
+        <a:font script="Sinh" typeface="Iskoola Pota"/>
+        <a:font script="Mong" typeface="Mongolian Baiti"/>
+        <a:font script="Viet" typeface="Times New Roman"/>
+        <a:font script="Uigh" typeface="Microsoft Uighur"/>
+        <a:font script="Geor" typeface="Sylfaen"/>
+        <a:font script="Armn" typeface="Arial"/>
+        <a:font script="Bugi" typeface="Leelawadee UI"/>
+        <a:font script="Bopo" typeface="Microsoft JhengHei"/>
+        <a:font script="Java" typeface="Javanese Text"/>
+        <a:font script="Lisu" typeface="Segoe UI"/>
+        <a:font script="Mymr" typeface="Myanmar Text"/>
+        <a:font script="Nkoo" typeface="Ebrima"/>
+        <a:font script="Olck" typeface="Nirmala UI"/>
+        <a:font script="Osma" typeface="Ebrima"/>
+        <a:font script="Phag" typeface="Phagspa"/>
+        <a:font script="Syrn" typeface="Estrangelo Edessa"/>
+        <a:font script="Syrj" typeface="Estrangelo Edessa"/>
+        <a:font script="Syre" typeface="Estrangelo Edessa"/>
+        <a:font script="Sora" typeface="Nirmala UI"/>
+        <a:font script="Tale" typeface="Microsoft Tai Le"/>
+        <a:font script="Talu" typeface="Microsoft New Tai Lue"/>
+        <a:font script="Tfng" typeface="Ebrima"/>
+      </a:majorFont>
+      <a:minorFont>
+        <a:latin typeface="Aptos" panose="02110004020202020204"/>
+        <a:ea typeface=""/>
+        <a:cs typeface=""/>
+        <a:font script="Jpan" typeface="游ゴシック"/>
+        <a:font script="Hang" typeface="맑은 고딕"/>
+        <a:font script="Hans" typeface="等线"/>
+        <a:font script="Hant" typeface="新細明體"/>
+        <a:font script="Arab" typeface="Arial"/>
+        <a:font script="Hebr" typeface="Arial"/>
+        <a:font script="Thai" typeface="Cordia New"/>
+        <a:font script="Ethi" typeface="Nyala"/>
+        <a:font script="Beng" typeface="Vrinda"/>
+        <a:font script="Gujr" typeface="Shruti"/>
+        <a:font script="Khmr" typeface="DaunPenh"/>
+        <a:font script="Knda" typeface="Tunga"/>
+        <a:font script="Guru" typeface="Raavi"/>
+        <a:font script="Cans" typeface="Euphemia"/>
+        <a:font script="Cher" typeface="Plantagenet Cherokee"/>
+        <a:font script="Yiii" typeface="Microsoft Yi Baiti"/>
+        <a:font script="Tibt" typeface="Microsoft Himalaya"/>
+        <a:font script="Thaa" typeface="MV Boli"/>
+        <a:font script="Deva" typeface="Mangal"/>
+        <a:font script="Telu" typeface="Gautami"/>
+        <a:font script="Taml" typeface="Latha"/>
+        <a:font script="Syrc" typeface="Estrangelo Edessa"/>
+        <a:font script="Orya" typeface="Kalinga"/>
+        <a:font script="Mlym" typeface="Kartika"/>
+        <a:font script="Laoo" typeface="DokChampa"/>
+        <a:font script="Sinh" typeface="Iskoola Pota"/>
+        <a:font script="Mong" typeface="Mongolian Baiti"/>
+        <a:font script="Viet" typeface="Arial"/>
+        <a:font script="Uigh" typeface="Microsoft Uighur"/>
+        <a:font script="Geor" typeface="Sylfaen"/>
+        <a:font script="Armn" typeface="Arial"/>
+        <a:font script="Bugi" typeface="Leelawadee UI"/>
+        <a:font script="Bopo" typeface="Microsoft JhengHei"/>
+        <a:font script="Java" typeface="Javanese Text"/>
+        <a:font script="Lisu" typeface="Segoe UI"/>
+        <a:font script="Mymr" typeface="Myanmar Text"/>
+        <a:font script="Nkoo" typeface="Ebrima"/>
+        <a:font script="Olck" typeface="Nirmala UI"/>
+        <a:font script="Osma" typeface="Ebrima"/>
+        <a:font script="Phag" typeface="Phagspa"/>
+        <a:font script="Syrn" typeface="Estrangelo Edessa"/>
+        <a:font script="Syrj" typeface="Estrangelo Edessa"/>
+        <a:font script="Syre" typeface="Estrangelo Edessa"/>
+        <a:font script="Sora" typeface="Nirmala UI"/>
+        <a:font script="Tale" typeface="Microsoft Tai Le"/>
+        <a:font script="Talu" typeface="Microsoft New Tai Lue"/>
+        <a:font script="Tfng" typeface="Ebrima"/>
+      </a:minorFont>
+    </a:fontScheme>
+    <a:fmtScheme name="Office">
+      <a:fillStyleLst>
+        <a:solidFill>
+          <a:schemeClr val="phClr"/>
+        </a:solidFill>
+        <a:gradFill rotWithShape="1">
+          <a:gsLst>
+            <a:gs pos="0">
+              <a:schemeClr val="phClr">
+                <a:lumMod val="110000"/>
+                <a:satMod val="105000"/>
+                <a:tint val="67000"/>
+              </a:schemeClr>
+            </a:gs>
+            <a:gs pos="50000">
+              <a:schemeClr val="phClr">
+                <a:lumMod val="105000"/>
+                <a:satMod val="103000"/>
+                <a:tint val="73000"/>
+              </a:schemeClr>
+            </a:gs>
+            <a:gs pos="100000">
+              <a:schemeClr val="phClr">
+                <a:lumMod val="105000"/>
+                <a:satMod val="109000"/>
+                <a:tint val="81000"/>
+              </a:schemeClr>
+            </a:gs>
+          </a:gsLst>
+          <a:lin ang="5400000" scaled="0"/>
+        </a:gradFill>
+        <a:gradFill rotWithShape="1">
+          <a:gsLst>
+            <a:gs pos="0">
+              <a:schemeClr val="phClr">
+                <a:satMod val="103000"/>
+                <a:lumMod val="102000"/>
+                <a:tint val="94000"/>
+              </a:schemeClr>
+            </a:gs>
+            <a:gs pos="50000">
+              <a:schemeClr val="phClr">
+                <a:satMod val="110000"/>
+                <a:lumMod val="100000"/>
+                <a:shade val="100000"/>
+              </a:schemeClr>
+            </a:gs>
+            <a:gs pos="100000">
+              <a:schemeClr val="phClr">
+                <a:lumMod val="99000"/>
+                <a:satMod val="120000"/>
+                <a:shade val="78000"/>
+              </a:schemeClr>
+            </a:gs>
+          </a:gsLst>
+          <a:lin ang="5400000" scaled="0"/>
+        </a:gradFill>
+      </a:fillStyleLst>
+      <a:lnStyleLst>
+        <a:ln w="12700" cap="flat" cmpd="sng" algn="ctr">
+          <a:solidFill>
+            <a:schemeClr val="phClr"/>
+          </a:solidFill>
+          <a:prstDash val="solid"/>
+          <a:miter lim="800000"/>
+        </a:ln>
+        <a:ln w="19050" cap="flat" cmpd="sng" algn="ctr">
+          <a:solidFill>
+            <a:schemeClr val="phClr"/>
+          </a:solidFill>
+          <a:prstDash val="solid"/>
+          <a:miter lim="800000"/>
+        </a:ln>
+        <a:ln w="25400" cap="flat" cmpd="sng" algn="ctr">
+          <a:solidFill>
+            <a:schemeClr val="phClr"/>
+          </a:solidFill>
+          <a:prstDash val="solid"/>
+          <a:miter lim="800000"/>
+        </a:ln>
+      </a:lnStyleLst>
+      <a:effectStyleLst>
+        <a:effectStyle>
+          <a:effectLst/>
+        </a:effectStyle>
+        <a:effectStyle>
+          <a:effectLst/>
+        </a:effectStyle>
+        <a:effectStyle>
+          <a:effectLst>
+            <a:outerShdw blurRad="57150" dist="19050" dir="5400000" algn="ctr" rotWithShape="0">
+              <a:srgbClr val="000000">
+                <a:alpha val="63000"/>
+              </a:srgbClr>
+            </a:outerShdw>
+          </a:effectLst>
+        </a:effectStyle>
+      </a:effectStyleLst>
+      <a:bgFillStyleLst>
+        <a:solidFill>
+          <a:schemeClr val="phClr"/>
+        </a:solidFill>
+        <a:solidFill>
+          <a:schemeClr val="phClr">
+            <a:tint val="95000"/>
+            <a:satMod val="170000"/>
+          </a:schemeClr>
+        </a:solidFill>
+        <a:gradFill rotWithShape="1">
+          <a:gsLst>
+            <a:gs pos="0">
+              <a:schemeClr val="phClr">
+                <a:tint val="93000"/>
+                <a:satMod val="150000"/>
+                <a:shade val="98000"/>
+                <a:lumMod val="102000"/>
+              </a:schemeClr>
+            </a:gs>
+            <a:gs pos="50000">
+              <a:schemeClr val="phClr">
+                <a:tint val="98000"/>
+                <a:satMod val="130000"/>
+                <a:shade val="90000"/>
+                <a:lumMod val="103000"/>
+              </a:schemeClr>
+            </a:gs>
+            <a:gs pos="100000">
+              <a:schemeClr val="phClr">
+                <a:shade val="63000"/>
+                <a:satMod val="120000"/>
+              </a:schemeClr>
+            </a:gs>
+          </a:gsLst>
+          <a:lin ang="5400000" scaled="0"/>
+        </a:gradFill>
+      </a:bgFillStyleLst>
+    </a:fmtScheme>
+  </a:themeElements>
+  <a:objectDefaults>
+    <a:lnDef>
+      <a:spPr/>
+      <a:bodyPr/>
+      <a:lstStyle/>
+      <a:style>
+        <a:lnRef idx="2">
+          <a:schemeClr val="accent1"/>
+        </a:lnRef>
+        <a:fillRef idx="0">
+          <a:schemeClr val="accent1"/>
+        </a:fillRef>
+        <a:effectRef idx="1">
+          <a:schemeClr val="accent1"/>
+        </a:effectRef>
+        <a:fontRef idx="minor">
+          <a:schemeClr val="tx1"/>
+        </a:fontRef>
+      </a:style>
+    </a:lnDef>
+  </a:objectDefaults>
+  <a:extraClrSchemeLst/>
+  <a:extLst>
+    <a:ext uri="{05A4C25C-085E-4340-85A3-A5531E510DB2}">
+      <thm15:themeFamily xmlns:thm15="http://schemas.microsoft.com/office/thememl/2012/main" name="Office Theme" id="{2E142A2C-CD16-42D6-873A-C26D2A0506FA}" vid="{1BDDFF52-6CD6-40A5-AB3C-68EB2F1E4D0A}"/>
+    </a:ext>
+  </a:extLst>
+</a:theme>
 </file>